--- a/Part2/SE2.pptx
+++ b/Part2/SE2.pptx
@@ -8,20 +8,21 @@
     <p:sldId id="256" r:id="rId3"/>
     <p:sldId id="257" r:id="rId4"/>
     <p:sldId id="258" r:id="rId5"/>
-    <p:sldId id="264" r:id="rId6"/>
-    <p:sldId id="280" r:id="rId7"/>
-    <p:sldId id="281" r:id="rId8"/>
-    <p:sldId id="282" r:id="rId9"/>
-    <p:sldId id="259" r:id="rId10"/>
-    <p:sldId id="283" r:id="rId11"/>
-    <p:sldId id="284" r:id="rId12"/>
-    <p:sldId id="285" r:id="rId13"/>
-    <p:sldId id="260" r:id="rId14"/>
-    <p:sldId id="271" r:id="rId15"/>
-    <p:sldId id="261" r:id="rId16"/>
-    <p:sldId id="268" r:id="rId17"/>
-    <p:sldId id="270" r:id="rId18"/>
-    <p:sldId id="274" r:id="rId19"/>
+    <p:sldId id="293" r:id="rId6"/>
+    <p:sldId id="264" r:id="rId7"/>
+    <p:sldId id="280" r:id="rId8"/>
+    <p:sldId id="281" r:id="rId9"/>
+    <p:sldId id="282" r:id="rId10"/>
+    <p:sldId id="259" r:id="rId11"/>
+    <p:sldId id="283" r:id="rId12"/>
+    <p:sldId id="284" r:id="rId13"/>
+    <p:sldId id="285" r:id="rId14"/>
+    <p:sldId id="260" r:id="rId15"/>
+    <p:sldId id="271" r:id="rId16"/>
+    <p:sldId id="261" r:id="rId17"/>
+    <p:sldId id="268" r:id="rId18"/>
+    <p:sldId id="270" r:id="rId19"/>
+    <p:sldId id="274" r:id="rId20"/>
   </p:sldIdLst>
   <p:sldSz cx="12192000" cy="6858000"/>
   <p:notesSz cx="6858000" cy="9144000"/>
@@ -123,12 +124,12 @@
   <p:extLst>
     <p:ext uri="{EFAFB233-063F-42B5-8137-9DF3F51BA10A}">
       <p15:sldGuideLst xmlns:p15="http://schemas.microsoft.com/office/powerpoint/2012/main">
-        <p15:guide id="1" orient="horz" pos="2127" userDrawn="1">
+        <p15:guide id="1" orient="horz" pos="2116" userDrawn="1">
           <p15:clr>
             <a:srgbClr val="A4A3A4"/>
           </p15:clr>
         </p15:guide>
-        <p15:guide id="2" pos="3840" userDrawn="1">
+        <p15:guide id="2" pos="3833" userDrawn="1">
           <p15:clr>
             <a:srgbClr val="A4A3A4"/>
           </p15:clr>
@@ -3161,6 +3162,2193 @@
 </file>
 
 <file path=ppt/slides/slide10.xml><?xml version="1.0" encoding="utf-8"?>
+<p:sld xmlns:a="http://schemas.openxmlformats.org/drawingml/2006/main" xmlns:r="http://schemas.openxmlformats.org/officeDocument/2006/relationships" xmlns:p="http://schemas.openxmlformats.org/presentationml/2006/main">
+  <p:cSld>
+    <p:spTree>
+      <p:nvGrpSpPr>
+        <p:cNvPr id="1" name=""/>
+        <p:cNvGrpSpPr/>
+        <p:nvPr/>
+      </p:nvGrpSpPr>
+      <p:grpSpPr>
+        <a:xfrm>
+          <a:off x="0" y="0"/>
+          <a:ext cx="0" cy="0"/>
+          <a:chOff x="0" y="0"/>
+          <a:chExt cx="0" cy="0"/>
+        </a:xfrm>
+      </p:grpSpPr>
+      <p:sp>
+        <p:nvSpPr>
+          <p:cNvPr id="4" name="矩形 3"/>
+          <p:cNvSpPr/>
+          <p:nvPr/>
+        </p:nvSpPr>
+        <p:spPr>
+          <a:xfrm>
+            <a:off x="658813" y="316689"/>
+            <a:ext cx="2033782" cy="377825"/>
+          </a:xfrm>
+          <a:prstGeom prst="rect">
+            <a:avLst/>
+          </a:prstGeom>
+          <a:solidFill>
+            <a:srgbClr val="295D83"/>
+          </a:solidFill>
+          <a:ln>
+            <a:noFill/>
+          </a:ln>
+        </p:spPr>
+        <p:style>
+          <a:lnRef idx="2">
+            <a:schemeClr val="accent1">
+              <a:shade val="50000"/>
+            </a:schemeClr>
+          </a:lnRef>
+          <a:fillRef idx="1">
+            <a:schemeClr val="accent1"/>
+          </a:fillRef>
+          <a:effectRef idx="0">
+            <a:schemeClr val="accent1"/>
+          </a:effectRef>
+          <a:fontRef idx="minor">
+            <a:schemeClr val="lt1"/>
+          </a:fontRef>
+        </p:style>
+        <p:txBody>
+          <a:bodyPr rtlCol="0" anchor="ctr"/>
+          <a:lstStyle/>
+          <a:p>
+            <a:pPr algn="ctr"/>
+            <a:r>
+              <a:rPr lang="zh-CN" altLang="en-US"/>
+              <a:t>人机交互</a:t>
+            </a:r>
+            <a:endParaRPr lang="zh-CN" altLang="en-US"/>
+          </a:p>
+        </p:txBody>
+      </p:sp>
+      <p:sp>
+        <p:nvSpPr>
+          <p:cNvPr id="5" name="椭圆 4"/>
+          <p:cNvSpPr/>
+          <p:nvPr/>
+        </p:nvSpPr>
+        <p:spPr>
+          <a:xfrm>
+            <a:off x="125153" y="126223"/>
+            <a:ext cx="778366" cy="710214"/>
+          </a:xfrm>
+          <a:prstGeom prst="ellipse">
+            <a:avLst/>
+          </a:prstGeom>
+          <a:solidFill>
+            <a:srgbClr val="D2B08E"/>
+          </a:solidFill>
+          <a:ln w="76200">
+            <a:solidFill>
+              <a:schemeClr val="bg1"/>
+            </a:solidFill>
+          </a:ln>
+        </p:spPr>
+        <p:style>
+          <a:lnRef idx="2">
+            <a:schemeClr val="accent1">
+              <a:shade val="50000"/>
+            </a:schemeClr>
+          </a:lnRef>
+          <a:fillRef idx="1">
+            <a:schemeClr val="accent1"/>
+          </a:fillRef>
+          <a:effectRef idx="0">
+            <a:schemeClr val="accent1"/>
+          </a:effectRef>
+          <a:fontRef idx="minor">
+            <a:schemeClr val="lt1"/>
+          </a:fontRef>
+        </p:style>
+        <p:txBody>
+          <a:bodyPr rtlCol="0" anchor="ctr"/>
+          <a:lstStyle/>
+          <a:p>
+            <a:pPr algn="ctr"/>
+            <a:endParaRPr lang="zh-CN" altLang="en-US">
+              <a:solidFill>
+                <a:schemeClr val="bg1"/>
+              </a:solidFill>
+            </a:endParaRPr>
+          </a:p>
+        </p:txBody>
+      </p:sp>
+      <p:sp>
+        <p:nvSpPr>
+          <p:cNvPr id="6" name="矩形 5"/>
+          <p:cNvSpPr/>
+          <p:nvPr/>
+        </p:nvSpPr>
+        <p:spPr>
+          <a:xfrm>
+            <a:off x="9221737" y="4675766"/>
+            <a:ext cx="2197467" cy="1968961"/>
+          </a:xfrm>
+          <a:prstGeom prst="rect">
+            <a:avLst/>
+          </a:prstGeom>
+          <a:solidFill>
+            <a:schemeClr val="bg1"/>
+          </a:solidFill>
+          <a:ln w="28575">
+            <a:solidFill>
+              <a:srgbClr val="FF0000"/>
+            </a:solidFill>
+          </a:ln>
+        </p:spPr>
+        <p:style>
+          <a:lnRef idx="2">
+            <a:schemeClr val="accent1">
+              <a:shade val="15000"/>
+            </a:schemeClr>
+          </a:lnRef>
+          <a:fillRef idx="1">
+            <a:schemeClr val="accent1"/>
+          </a:fillRef>
+          <a:effectRef idx="0">
+            <a:schemeClr val="accent1"/>
+          </a:effectRef>
+          <a:fontRef idx="minor">
+            <a:schemeClr val="lt1"/>
+          </a:fontRef>
+        </p:style>
+        <p:txBody>
+          <a:bodyPr rtlCol="0" anchor="ctr"/>
+          <a:lstStyle/>
+          <a:p>
+            <a:pPr algn="ctr"/>
+            <a:endParaRPr lang="zh-CN" altLang="en-US"/>
+          </a:p>
+        </p:txBody>
+      </p:sp>
+      <p:sp>
+        <p:nvSpPr>
+          <p:cNvPr id="7" name="矩形 6"/>
+          <p:cNvSpPr/>
+          <p:nvPr/>
+        </p:nvSpPr>
+        <p:spPr>
+          <a:xfrm>
+            <a:off x="2332401" y="4574927"/>
+            <a:ext cx="2904946" cy="1968961"/>
+          </a:xfrm>
+          <a:prstGeom prst="rect">
+            <a:avLst/>
+          </a:prstGeom>
+          <a:solidFill>
+            <a:schemeClr val="bg1"/>
+          </a:solidFill>
+          <a:ln w="28575">
+            <a:solidFill>
+              <a:srgbClr val="FF0000"/>
+            </a:solidFill>
+          </a:ln>
+        </p:spPr>
+        <p:style>
+          <a:lnRef idx="2">
+            <a:schemeClr val="accent1">
+              <a:shade val="15000"/>
+            </a:schemeClr>
+          </a:lnRef>
+          <a:fillRef idx="1">
+            <a:schemeClr val="accent1"/>
+          </a:fillRef>
+          <a:effectRef idx="0">
+            <a:schemeClr val="accent1"/>
+          </a:effectRef>
+          <a:fontRef idx="minor">
+            <a:schemeClr val="lt1"/>
+          </a:fontRef>
+        </p:style>
+        <p:txBody>
+          <a:bodyPr rtlCol="0" anchor="ctr"/>
+          <a:lstStyle/>
+          <a:p>
+            <a:pPr algn="ctr"/>
+            <a:endParaRPr lang="zh-CN" altLang="en-US"/>
+          </a:p>
+        </p:txBody>
+      </p:sp>
+      <p:sp>
+        <p:nvSpPr>
+          <p:cNvPr id="8" name="矩形 7"/>
+          <p:cNvSpPr/>
+          <p:nvPr/>
+        </p:nvSpPr>
+        <p:spPr>
+          <a:xfrm>
+            <a:off x="2687830" y="62145"/>
+            <a:ext cx="9110594" cy="2039531"/>
+          </a:xfrm>
+          <a:prstGeom prst="rect">
+            <a:avLst/>
+          </a:prstGeom>
+          <a:solidFill>
+            <a:schemeClr val="bg1"/>
+          </a:solidFill>
+          <a:ln w="28575">
+            <a:solidFill>
+              <a:srgbClr val="FF0000"/>
+            </a:solidFill>
+          </a:ln>
+        </p:spPr>
+        <p:style>
+          <a:lnRef idx="2">
+            <a:schemeClr val="accent1">
+              <a:shade val="15000"/>
+            </a:schemeClr>
+          </a:lnRef>
+          <a:fillRef idx="1">
+            <a:schemeClr val="accent1"/>
+          </a:fillRef>
+          <a:effectRef idx="0">
+            <a:schemeClr val="accent1"/>
+          </a:effectRef>
+          <a:fontRef idx="minor">
+            <a:schemeClr val="lt1"/>
+          </a:fontRef>
+        </p:style>
+        <p:txBody>
+          <a:bodyPr rtlCol="0" anchor="ctr"/>
+          <a:lstStyle/>
+          <a:p>
+            <a:pPr algn="ctr"/>
+            <a:endParaRPr lang="zh-CN" altLang="en-US"/>
+          </a:p>
+        </p:txBody>
+      </p:sp>
+      <p:grpSp>
+        <p:nvGrpSpPr>
+          <p:cNvPr id="10" name="组合 9"/>
+          <p:cNvGrpSpPr/>
+          <p:nvPr/>
+        </p:nvGrpSpPr>
+        <p:grpSpPr>
+          <a:xfrm>
+            <a:off x="3282735" y="2746621"/>
+            <a:ext cx="8054050" cy="3619685"/>
+            <a:chOff x="841375" y="819150"/>
+            <a:chExt cx="10853420" cy="5675630"/>
+          </a:xfrm>
+        </p:grpSpPr>
+        <p:sp>
+          <p:nvSpPr>
+            <p:cNvPr id="11" name="Rectangles 3"/>
+            <p:cNvSpPr/>
+            <p:nvPr/>
+          </p:nvSpPr>
+          <p:spPr>
+            <a:xfrm>
+              <a:off x="841375" y="819150"/>
+              <a:ext cx="1430020" cy="2349500"/>
+            </a:xfrm>
+            <a:prstGeom prst="rect">
+              <a:avLst/>
+            </a:prstGeom>
+          </p:spPr>
+          <p:style>
+            <a:lnRef idx="2">
+              <a:schemeClr val="accent1">
+                <a:lumMod val="75000"/>
+              </a:schemeClr>
+            </a:lnRef>
+            <a:fillRef idx="1">
+              <a:schemeClr val="accent1"/>
+            </a:fillRef>
+            <a:effectRef idx="0">
+              <a:srgbClr val="FFFFFF"/>
+            </a:effectRef>
+            <a:fontRef idx="minor">
+              <a:schemeClr val="lt1"/>
+            </a:fontRef>
+          </p:style>
+          <p:txBody>
+            <a:bodyPr rtlCol="0" anchor="ctr"/>
+            <a:lstStyle/>
+            <a:p>
+              <a:pPr algn="ctr"/>
+              <a:r>
+                <a:rPr lang="zh-CN" sz="1100"/>
+                <a:t>楼</a:t>
+              </a:r>
+              <a:endParaRPr lang="zh-CN" sz="1100"/>
+            </a:p>
+            <a:p>
+              <a:pPr algn="ctr"/>
+              <a:r>
+                <a:rPr lang="en-US" altLang="zh-CN" sz="1100"/>
+                <a:t>——————</a:t>
+              </a:r>
+              <a:endParaRPr lang="en-US" altLang="zh-CN" sz="1100"/>
+            </a:p>
+            <a:p>
+              <a:pPr algn="ctr"/>
+              <a:r>
+                <a:rPr lang="zh-CN" altLang="en-US" sz="1100"/>
+                <a:t>楼号</a:t>
+              </a:r>
+              <a:endParaRPr lang="zh-CN" altLang="en-US" sz="1100"/>
+            </a:p>
+            <a:p>
+              <a:pPr algn="ctr"/>
+              <a:r>
+                <a:rPr lang="zh-CN" altLang="en-US" sz="1100"/>
+                <a:t>楼名称</a:t>
+              </a:r>
+              <a:endParaRPr lang="zh-CN" altLang="en-US" sz="1100"/>
+            </a:p>
+            <a:p>
+              <a:pPr algn="ctr"/>
+              <a:r>
+                <a:rPr lang="en-US" altLang="zh-CN" sz="1100"/>
+                <a:t>——————</a:t>
+              </a:r>
+              <a:endParaRPr lang="en-US" altLang="zh-CN" sz="1100"/>
+            </a:p>
+            <a:p>
+              <a:pPr algn="ctr"/>
+              <a:r>
+                <a:rPr lang="zh-CN" altLang="en-US" sz="1100"/>
+                <a:t>进入楼</a:t>
+              </a:r>
+              <a:endParaRPr lang="zh-CN" altLang="en-US" sz="1100"/>
+            </a:p>
+            <a:p>
+              <a:pPr algn="ctr"/>
+              <a:r>
+                <a:rPr lang="zh-CN" altLang="en-US" sz="1100"/>
+                <a:t>离开楼</a:t>
+              </a:r>
+              <a:endParaRPr lang="zh-CN" altLang="en-US" sz="1100"/>
+            </a:p>
+          </p:txBody>
+        </p:sp>
+        <p:sp>
+          <p:nvSpPr>
+            <p:cNvPr id="12" name="Rectangles 4"/>
+            <p:cNvSpPr/>
+            <p:nvPr/>
+          </p:nvSpPr>
+          <p:spPr>
+            <a:xfrm>
+              <a:off x="3835400" y="819150"/>
+              <a:ext cx="1430020" cy="2349500"/>
+            </a:xfrm>
+            <a:prstGeom prst="rect">
+              <a:avLst/>
+            </a:prstGeom>
+          </p:spPr>
+          <p:style>
+            <a:lnRef idx="2">
+              <a:schemeClr val="accent1">
+                <a:lumMod val="75000"/>
+              </a:schemeClr>
+            </a:lnRef>
+            <a:fillRef idx="1">
+              <a:schemeClr val="accent1"/>
+            </a:fillRef>
+            <a:effectRef idx="0">
+              <a:srgbClr val="FFFFFF"/>
+            </a:effectRef>
+            <a:fontRef idx="minor">
+              <a:schemeClr val="lt1"/>
+            </a:fontRef>
+          </p:style>
+          <p:txBody>
+            <a:bodyPr rtlCol="0" anchor="ctr"/>
+            <a:lstStyle/>
+            <a:p>
+              <a:pPr algn="ctr"/>
+              <a:r>
+                <a:rPr lang="zh-CN" sz="1100"/>
+                <a:t>教室</a:t>
+              </a:r>
+              <a:endParaRPr lang="zh-CN" sz="1100"/>
+            </a:p>
+            <a:p>
+              <a:pPr algn="ctr"/>
+              <a:r>
+                <a:rPr lang="en-US" altLang="zh-CN" sz="1100"/>
+                <a:t>——————</a:t>
+              </a:r>
+              <a:endParaRPr lang="en-US" altLang="zh-CN" sz="1100"/>
+            </a:p>
+            <a:p>
+              <a:pPr algn="ctr"/>
+              <a:r>
+                <a:rPr lang="zh-CN" altLang="en-US" sz="1100"/>
+                <a:t>教室号</a:t>
+              </a:r>
+              <a:endParaRPr lang="zh-CN" altLang="en-US" sz="1100"/>
+            </a:p>
+            <a:p>
+              <a:pPr algn="ctr"/>
+              <a:r>
+                <a:rPr lang="zh-CN" altLang="en-US" sz="1100">
+                  <a:sym typeface="+mn-ea"/>
+                </a:rPr>
+                <a:t>教室</a:t>
+              </a:r>
+              <a:r>
+                <a:rPr lang="zh-CN" altLang="en-US" sz="1100"/>
+                <a:t>名称</a:t>
+              </a:r>
+              <a:endParaRPr lang="zh-CN" altLang="en-US" sz="1100"/>
+            </a:p>
+            <a:p>
+              <a:pPr algn="ctr"/>
+              <a:r>
+                <a:rPr lang="en-US" altLang="zh-CN" sz="1100"/>
+                <a:t>——————</a:t>
+              </a:r>
+              <a:endParaRPr lang="en-US" altLang="zh-CN" sz="1100"/>
+            </a:p>
+            <a:p>
+              <a:pPr algn="ctr"/>
+              <a:r>
+                <a:rPr lang="zh-CN" altLang="en-US" sz="1100"/>
+                <a:t>进入</a:t>
+              </a:r>
+              <a:r>
+                <a:rPr lang="zh-CN" altLang="en-US" sz="1100">
+                  <a:sym typeface="+mn-ea"/>
+                </a:rPr>
+                <a:t>教室</a:t>
+              </a:r>
+              <a:endParaRPr lang="zh-CN" altLang="en-US" sz="1100"/>
+            </a:p>
+            <a:p>
+              <a:pPr algn="ctr"/>
+              <a:r>
+                <a:rPr lang="zh-CN" altLang="en-US" sz="1100"/>
+                <a:t>离开</a:t>
+              </a:r>
+              <a:r>
+                <a:rPr lang="zh-CN" altLang="en-US" sz="1100">
+                  <a:sym typeface="+mn-ea"/>
+                </a:rPr>
+                <a:t>教室</a:t>
+              </a:r>
+              <a:endParaRPr lang="zh-CN" altLang="en-US" sz="1100">
+                <a:sym typeface="+mn-ea"/>
+              </a:endParaRPr>
+            </a:p>
+            <a:p>
+              <a:pPr algn="ctr"/>
+              <a:r>
+                <a:rPr lang="zh-CN" altLang="en-US" sz="1100"/>
+                <a:t>进入讨论板</a:t>
+              </a:r>
+              <a:endParaRPr lang="zh-CN" altLang="en-US" sz="1100"/>
+            </a:p>
+          </p:txBody>
+        </p:sp>
+        <p:sp>
+          <p:nvSpPr>
+            <p:cNvPr id="13" name="Rectangles 5"/>
+            <p:cNvSpPr/>
+            <p:nvPr/>
+          </p:nvSpPr>
+          <p:spPr>
+            <a:xfrm>
+              <a:off x="6829425" y="819150"/>
+              <a:ext cx="1430020" cy="2349500"/>
+            </a:xfrm>
+            <a:prstGeom prst="rect">
+              <a:avLst/>
+            </a:prstGeom>
+          </p:spPr>
+          <p:style>
+            <a:lnRef idx="2">
+              <a:schemeClr val="accent1">
+                <a:lumMod val="75000"/>
+              </a:schemeClr>
+            </a:lnRef>
+            <a:fillRef idx="1">
+              <a:schemeClr val="accent1"/>
+            </a:fillRef>
+            <a:effectRef idx="0">
+              <a:srgbClr val="FFFFFF"/>
+            </a:effectRef>
+            <a:fontRef idx="minor">
+              <a:schemeClr val="lt1"/>
+            </a:fontRef>
+          </p:style>
+          <p:txBody>
+            <a:bodyPr rtlCol="0" anchor="ctr"/>
+            <a:lstStyle/>
+            <a:p>
+              <a:pPr algn="ctr"/>
+              <a:r>
+                <a:rPr lang="zh-CN" sz="1100"/>
+                <a:t>座位</a:t>
+              </a:r>
+              <a:endParaRPr lang="zh-CN" sz="1100"/>
+            </a:p>
+            <a:p>
+              <a:pPr algn="ctr"/>
+              <a:r>
+                <a:rPr lang="en-US" altLang="zh-CN" sz="1100"/>
+                <a:t>——————</a:t>
+              </a:r>
+              <a:endParaRPr lang="en-US" altLang="zh-CN" sz="1100"/>
+            </a:p>
+            <a:p>
+              <a:pPr algn="ctr"/>
+              <a:r>
+                <a:rPr lang="zh-CN" altLang="en-US" sz="1100"/>
+                <a:t>座位号</a:t>
+              </a:r>
+              <a:endParaRPr lang="zh-CN" altLang="en-US" sz="1100"/>
+            </a:p>
+            <a:p>
+              <a:pPr algn="ctr"/>
+              <a:endParaRPr lang="zh-CN" altLang="en-US" sz="1100"/>
+            </a:p>
+            <a:p>
+              <a:pPr algn="ctr"/>
+              <a:r>
+                <a:rPr lang="en-US" altLang="zh-CN" sz="1100"/>
+                <a:t>——————</a:t>
+              </a:r>
+              <a:endParaRPr lang="en-US" altLang="zh-CN" sz="1100"/>
+            </a:p>
+            <a:p>
+              <a:pPr algn="ctr"/>
+              <a:r>
+                <a:rPr lang="zh-CN" altLang="en-US" sz="1100"/>
+                <a:t>座位入座</a:t>
+              </a:r>
+              <a:endParaRPr lang="zh-CN" altLang="en-US" sz="1100"/>
+            </a:p>
+            <a:p>
+              <a:pPr algn="ctr"/>
+              <a:r>
+                <a:rPr lang="zh-CN" altLang="en-US" sz="1100"/>
+                <a:t>离开</a:t>
+              </a:r>
+              <a:r>
+                <a:rPr lang="zh-CN" altLang="en-US" sz="1100">
+                  <a:sym typeface="+mn-ea"/>
+                </a:rPr>
+                <a:t>座位</a:t>
+              </a:r>
+              <a:endParaRPr lang="zh-CN" altLang="en-US" sz="1100"/>
+            </a:p>
+          </p:txBody>
+        </p:sp>
+        <p:sp>
+          <p:nvSpPr>
+            <p:cNvPr id="14" name="Rectangles 6"/>
+            <p:cNvSpPr/>
+            <p:nvPr/>
+          </p:nvSpPr>
+          <p:spPr>
+            <a:xfrm>
+              <a:off x="9596120" y="819150"/>
+              <a:ext cx="2098675" cy="2540000"/>
+            </a:xfrm>
+            <a:prstGeom prst="rect">
+              <a:avLst/>
+            </a:prstGeom>
+          </p:spPr>
+          <p:style>
+            <a:lnRef idx="2">
+              <a:schemeClr val="accent1">
+                <a:lumMod val="75000"/>
+              </a:schemeClr>
+            </a:lnRef>
+            <a:fillRef idx="1">
+              <a:schemeClr val="accent1"/>
+            </a:fillRef>
+            <a:effectRef idx="0">
+              <a:srgbClr val="FFFFFF"/>
+            </a:effectRef>
+            <a:fontRef idx="minor">
+              <a:schemeClr val="lt1"/>
+            </a:fontRef>
+          </p:style>
+          <p:txBody>
+            <a:bodyPr rtlCol="0" anchor="ctr"/>
+            <a:lstStyle/>
+            <a:p>
+              <a:pPr algn="ctr"/>
+              <a:r>
+                <a:rPr lang="zh-CN" sz="1100"/>
+                <a:t>学习计划</a:t>
+              </a:r>
+              <a:endParaRPr lang="zh-CN" sz="1100"/>
+            </a:p>
+            <a:p>
+              <a:pPr algn="ctr"/>
+              <a:r>
+                <a:rPr lang="en-US" altLang="zh-CN" sz="1100"/>
+                <a:t>————————</a:t>
+              </a:r>
+              <a:endParaRPr lang="en-US" altLang="zh-CN" sz="1100"/>
+            </a:p>
+            <a:p>
+              <a:pPr algn="ctr"/>
+              <a:r>
+                <a:rPr lang="zh-CN" altLang="en-US" sz="1100"/>
+                <a:t>自习时间</a:t>
+              </a:r>
+              <a:endParaRPr lang="zh-CN" altLang="en-US" sz="1100"/>
+            </a:p>
+            <a:p>
+              <a:pPr algn="ctr"/>
+              <a:r>
+                <a:rPr lang="zh-CN" altLang="en-US" sz="1100"/>
+                <a:t>休息时间</a:t>
+              </a:r>
+              <a:endParaRPr lang="zh-CN" altLang="en-US" sz="1100"/>
+            </a:p>
+            <a:p>
+              <a:pPr algn="ctr"/>
+              <a:r>
+                <a:rPr lang="zh-CN" altLang="en-US" sz="1100"/>
+                <a:t>周期数</a:t>
+              </a:r>
+              <a:endParaRPr lang="zh-CN" altLang="en-US" sz="1100"/>
+            </a:p>
+            <a:p>
+              <a:pPr algn="ctr"/>
+              <a:r>
+                <a:rPr lang="en-US" altLang="zh-CN" sz="1100"/>
+                <a:t>—————————</a:t>
+              </a:r>
+              <a:endParaRPr lang="en-US" altLang="zh-CN" sz="1100"/>
+            </a:p>
+            <a:p>
+              <a:pPr algn="ctr"/>
+              <a:r>
+                <a:rPr lang="zh-CN" altLang="en-US" sz="1100"/>
+                <a:t>设置计划信息</a:t>
+              </a:r>
+              <a:endParaRPr lang="zh-CN" altLang="en-US" sz="1100"/>
+            </a:p>
+            <a:p>
+              <a:pPr algn="ctr"/>
+              <a:r>
+                <a:rPr lang="zh-CN" altLang="en-US" sz="1100"/>
+                <a:t>开始自习</a:t>
+              </a:r>
+              <a:endParaRPr lang="zh-CN" altLang="en-US" sz="1100"/>
+            </a:p>
+            <a:p>
+              <a:pPr algn="ctr"/>
+              <a:r>
+                <a:rPr lang="zh-CN" altLang="en-US" sz="1100"/>
+                <a:t>结束自习</a:t>
+              </a:r>
+              <a:endParaRPr lang="zh-CN" altLang="en-US" sz="1100"/>
+            </a:p>
+          </p:txBody>
+        </p:sp>
+        <p:sp>
+          <p:nvSpPr>
+            <p:cNvPr id="15" name="Rectangles 7"/>
+            <p:cNvSpPr/>
+            <p:nvPr/>
+          </p:nvSpPr>
+          <p:spPr>
+            <a:xfrm>
+              <a:off x="3835400" y="4135120"/>
+              <a:ext cx="1430020" cy="2359660"/>
+            </a:xfrm>
+            <a:prstGeom prst="rect">
+              <a:avLst/>
+            </a:prstGeom>
+          </p:spPr>
+          <p:style>
+            <a:lnRef idx="2">
+              <a:schemeClr val="accent1">
+                <a:lumMod val="75000"/>
+              </a:schemeClr>
+            </a:lnRef>
+            <a:fillRef idx="1">
+              <a:schemeClr val="accent1"/>
+            </a:fillRef>
+            <a:effectRef idx="0">
+              <a:srgbClr val="FFFFFF"/>
+            </a:effectRef>
+            <a:fontRef idx="minor">
+              <a:schemeClr val="lt1"/>
+            </a:fontRef>
+          </p:style>
+          <p:txBody>
+            <a:bodyPr rtlCol="0" anchor="ctr"/>
+            <a:lstStyle/>
+            <a:p>
+              <a:pPr algn="ctr"/>
+              <a:r>
+                <a:rPr lang="zh-CN" sz="1100"/>
+                <a:t>讨论板</a:t>
+              </a:r>
+              <a:endParaRPr lang="zh-CN" sz="1100"/>
+            </a:p>
+            <a:p>
+              <a:pPr algn="ctr"/>
+              <a:r>
+                <a:rPr lang="en-US" altLang="zh-CN" sz="1100"/>
+                <a:t>——————</a:t>
+              </a:r>
+              <a:endParaRPr lang="en-US" altLang="zh-CN" sz="1100"/>
+            </a:p>
+            <a:p>
+              <a:pPr algn="ctr"/>
+              <a:r>
+                <a:rPr lang="zh-CN" altLang="en-US" sz="1100"/>
+                <a:t>讨论板号</a:t>
+              </a:r>
+              <a:endParaRPr lang="zh-CN" altLang="en-US" sz="1100"/>
+            </a:p>
+            <a:p>
+              <a:pPr algn="ctr"/>
+              <a:r>
+                <a:rPr lang="en-US" altLang="zh-CN" sz="1100"/>
+                <a:t>——————</a:t>
+              </a:r>
+              <a:endParaRPr lang="en-US" altLang="zh-CN" sz="1100"/>
+            </a:p>
+            <a:p>
+              <a:pPr algn="ctr"/>
+              <a:r>
+                <a:rPr lang="zh-CN" altLang="en-US" sz="1100"/>
+                <a:t>搜索问题</a:t>
+              </a:r>
+              <a:endParaRPr lang="zh-CN" altLang="en-US" sz="1100"/>
+            </a:p>
+            <a:p>
+              <a:pPr algn="ctr"/>
+              <a:r>
+                <a:rPr lang="zh-CN" altLang="en-US" sz="1100"/>
+                <a:t>查看问题</a:t>
+              </a:r>
+              <a:endParaRPr lang="zh-CN" altLang="en-US" sz="1100"/>
+            </a:p>
+            <a:p>
+              <a:pPr algn="ctr"/>
+              <a:r>
+                <a:rPr lang="zh-CN" altLang="en-US" sz="1100"/>
+                <a:t>发布问题</a:t>
+              </a:r>
+              <a:endParaRPr lang="zh-CN" altLang="en-US" sz="1100"/>
+            </a:p>
+            <a:p>
+              <a:pPr algn="ctr"/>
+              <a:r>
+                <a:rPr lang="zh-CN" altLang="en-US" sz="1100"/>
+                <a:t>回答问题</a:t>
+              </a:r>
+              <a:endParaRPr lang="zh-CN" altLang="en-US" sz="1100"/>
+            </a:p>
+          </p:txBody>
+        </p:sp>
+        <p:grpSp>
+          <p:nvGrpSpPr>
+            <p:cNvPr id="16" name="Group 11"/>
+            <p:cNvGrpSpPr/>
+            <p:nvPr/>
+          </p:nvGrpSpPr>
+          <p:grpSpPr>
+            <a:xfrm>
+              <a:off x="2271395" y="1809115"/>
+              <a:ext cx="1579245" cy="120015"/>
+              <a:chOff x="13194" y="7713"/>
+              <a:chExt cx="2487" cy="189"/>
+            </a:xfrm>
+          </p:grpSpPr>
+          <p:cxnSp>
+            <p:nvCxnSpPr>
+              <p:cNvPr id="30" name="Straight Connector 8"/>
+              <p:cNvCxnSpPr/>
+              <p:nvPr/>
+            </p:nvCxnSpPr>
+            <p:spPr>
+              <a:xfrm flipV="1">
+                <a:off x="13464" y="7807"/>
+                <a:ext cx="2217" cy="1"/>
+              </a:xfrm>
+              <a:prstGeom prst="line">
+                <a:avLst/>
+              </a:prstGeom>
+            </p:spPr>
+            <p:style>
+              <a:lnRef idx="2">
+                <a:schemeClr val="accent1"/>
+              </a:lnRef>
+              <a:fillRef idx="0">
+                <a:srgbClr val="FFFFFF"/>
+              </a:fillRef>
+              <a:effectRef idx="0">
+                <a:srgbClr val="FFFFFF"/>
+              </a:effectRef>
+              <a:fontRef idx="minor">
+                <a:schemeClr val="tx1"/>
+              </a:fontRef>
+            </p:style>
+          </p:cxnSp>
+          <p:sp>
+            <p:nvSpPr>
+              <p:cNvPr id="31" name="Parallelogram 10"/>
+              <p:cNvSpPr/>
+              <p:nvPr/>
+            </p:nvSpPr>
+            <p:spPr>
+              <a:xfrm rot="2280000">
+                <a:off x="13194" y="7713"/>
+                <a:ext cx="237" cy="189"/>
+              </a:xfrm>
+              <a:prstGeom prst="parallelogram">
+                <a:avLst/>
+              </a:prstGeom>
+              <a:solidFill>
+                <a:schemeClr val="bg1"/>
+              </a:solidFill>
+            </p:spPr>
+            <p:style>
+              <a:lnRef idx="2">
+                <a:schemeClr val="accent1">
+                  <a:lumMod val="75000"/>
+                </a:schemeClr>
+              </a:lnRef>
+              <a:fillRef idx="1">
+                <a:schemeClr val="accent1"/>
+              </a:fillRef>
+              <a:effectRef idx="0">
+                <a:srgbClr val="FFFFFF"/>
+              </a:effectRef>
+              <a:fontRef idx="minor">
+                <a:schemeClr val="lt1"/>
+              </a:fontRef>
+            </p:style>
+            <p:txBody>
+              <a:bodyPr rtlCol="0" anchor="ctr"/>
+              <a:lstStyle/>
+              <a:p>
+                <a:pPr algn="ctr"/>
+                <a:endParaRPr lang="en-US"/>
+              </a:p>
+            </p:txBody>
+          </p:sp>
+        </p:grpSp>
+        <p:grpSp>
+          <p:nvGrpSpPr>
+            <p:cNvPr id="17" name="Group 12"/>
+            <p:cNvGrpSpPr/>
+            <p:nvPr/>
+          </p:nvGrpSpPr>
+          <p:grpSpPr>
+            <a:xfrm>
+              <a:off x="5265420" y="1809750"/>
+              <a:ext cx="1584325" cy="120015"/>
+              <a:chOff x="13194" y="7713"/>
+              <a:chExt cx="2495" cy="189"/>
+            </a:xfrm>
+          </p:grpSpPr>
+          <p:cxnSp>
+            <p:nvCxnSpPr>
+              <p:cNvPr id="28" name="Straight Connector 13"/>
+              <p:cNvCxnSpPr/>
+              <p:nvPr/>
+            </p:nvCxnSpPr>
+            <p:spPr>
+              <a:xfrm>
+                <a:off x="13464" y="7808"/>
+                <a:ext cx="2225" cy="14"/>
+              </a:xfrm>
+              <a:prstGeom prst="line">
+                <a:avLst/>
+              </a:prstGeom>
+            </p:spPr>
+            <p:style>
+              <a:lnRef idx="2">
+                <a:schemeClr val="accent1"/>
+              </a:lnRef>
+              <a:fillRef idx="0">
+                <a:srgbClr val="FFFFFF"/>
+              </a:fillRef>
+              <a:effectRef idx="0">
+                <a:srgbClr val="FFFFFF"/>
+              </a:effectRef>
+              <a:fontRef idx="minor">
+                <a:schemeClr val="tx1"/>
+              </a:fontRef>
+            </p:style>
+          </p:cxnSp>
+          <p:sp>
+            <p:nvSpPr>
+              <p:cNvPr id="29" name="Parallelogram 14"/>
+              <p:cNvSpPr/>
+              <p:nvPr/>
+            </p:nvSpPr>
+            <p:spPr>
+              <a:xfrm rot="2280000">
+                <a:off x="13194" y="7713"/>
+                <a:ext cx="237" cy="189"/>
+              </a:xfrm>
+              <a:prstGeom prst="parallelogram">
+                <a:avLst/>
+              </a:prstGeom>
+              <a:solidFill>
+                <a:schemeClr val="bg1"/>
+              </a:solidFill>
+            </p:spPr>
+            <p:style>
+              <a:lnRef idx="2">
+                <a:schemeClr val="accent1">
+                  <a:lumMod val="75000"/>
+                </a:schemeClr>
+              </a:lnRef>
+              <a:fillRef idx="1">
+                <a:schemeClr val="accent1"/>
+              </a:fillRef>
+              <a:effectRef idx="0">
+                <a:srgbClr val="FFFFFF"/>
+              </a:effectRef>
+              <a:fontRef idx="minor">
+                <a:schemeClr val="lt1"/>
+              </a:fontRef>
+            </p:style>
+            <p:txBody>
+              <a:bodyPr rtlCol="0" anchor="ctr"/>
+              <a:lstStyle/>
+              <a:p>
+                <a:pPr algn="ctr"/>
+                <a:endParaRPr lang="en-US"/>
+              </a:p>
+            </p:txBody>
+          </p:sp>
+        </p:grpSp>
+        <p:grpSp>
+          <p:nvGrpSpPr>
+            <p:cNvPr id="18" name="Group 15"/>
+            <p:cNvGrpSpPr/>
+            <p:nvPr/>
+          </p:nvGrpSpPr>
+          <p:grpSpPr>
+            <a:xfrm>
+              <a:off x="8273415" y="1776095"/>
+              <a:ext cx="1309370" cy="120015"/>
+              <a:chOff x="13194" y="7713"/>
+              <a:chExt cx="2062" cy="189"/>
+            </a:xfrm>
+          </p:grpSpPr>
+          <p:cxnSp>
+            <p:nvCxnSpPr>
+              <p:cNvPr id="26" name="Straight Connector 16"/>
+              <p:cNvCxnSpPr/>
+              <p:nvPr/>
+            </p:nvCxnSpPr>
+            <p:spPr>
+              <a:xfrm>
+                <a:off x="13464" y="7808"/>
+                <a:ext cx="1792" cy="14"/>
+              </a:xfrm>
+              <a:prstGeom prst="line">
+                <a:avLst/>
+              </a:prstGeom>
+            </p:spPr>
+            <p:style>
+              <a:lnRef idx="2">
+                <a:schemeClr val="accent1"/>
+              </a:lnRef>
+              <a:fillRef idx="0">
+                <a:srgbClr val="FFFFFF"/>
+              </a:fillRef>
+              <a:effectRef idx="0">
+                <a:srgbClr val="FFFFFF"/>
+              </a:effectRef>
+              <a:fontRef idx="minor">
+                <a:schemeClr val="tx1"/>
+              </a:fontRef>
+            </p:style>
+          </p:cxnSp>
+          <p:sp>
+            <p:nvSpPr>
+              <p:cNvPr id="27" name="Parallelogram 17"/>
+              <p:cNvSpPr/>
+              <p:nvPr/>
+            </p:nvSpPr>
+            <p:spPr>
+              <a:xfrm rot="2280000">
+                <a:off x="13194" y="7713"/>
+                <a:ext cx="237" cy="189"/>
+              </a:xfrm>
+              <a:prstGeom prst="parallelogram">
+                <a:avLst/>
+              </a:prstGeom>
+              <a:solidFill>
+                <a:schemeClr val="bg1"/>
+              </a:solidFill>
+            </p:spPr>
+            <p:style>
+              <a:lnRef idx="2">
+                <a:schemeClr val="accent1">
+                  <a:lumMod val="75000"/>
+                </a:schemeClr>
+              </a:lnRef>
+              <a:fillRef idx="1">
+                <a:schemeClr val="accent1"/>
+              </a:fillRef>
+              <a:effectRef idx="0">
+                <a:srgbClr val="FFFFFF"/>
+              </a:effectRef>
+              <a:fontRef idx="minor">
+                <a:schemeClr val="lt1"/>
+              </a:fontRef>
+            </p:style>
+            <p:txBody>
+              <a:bodyPr rtlCol="0" anchor="ctr"/>
+              <a:lstStyle/>
+              <a:p>
+                <a:pPr algn="ctr"/>
+                <a:endParaRPr lang="en-US"/>
+              </a:p>
+            </p:txBody>
+          </p:sp>
+        </p:grpSp>
+        <p:sp>
+          <p:nvSpPr>
+            <p:cNvPr id="19" name="Rectangles 21"/>
+            <p:cNvSpPr/>
+            <p:nvPr/>
+          </p:nvSpPr>
+          <p:spPr>
+            <a:xfrm>
+              <a:off x="6849745" y="4135120"/>
+              <a:ext cx="1430020" cy="2349500"/>
+            </a:xfrm>
+            <a:prstGeom prst="rect">
+              <a:avLst/>
+            </a:prstGeom>
+          </p:spPr>
+          <p:style>
+            <a:lnRef idx="2">
+              <a:schemeClr val="accent1">
+                <a:lumMod val="75000"/>
+              </a:schemeClr>
+            </a:lnRef>
+            <a:fillRef idx="1">
+              <a:schemeClr val="accent1"/>
+            </a:fillRef>
+            <a:effectRef idx="0">
+              <a:srgbClr val="FFFFFF"/>
+            </a:effectRef>
+            <a:fontRef idx="minor">
+              <a:schemeClr val="lt1"/>
+            </a:fontRef>
+          </p:style>
+          <p:txBody>
+            <a:bodyPr rtlCol="0" anchor="ctr"/>
+            <a:lstStyle/>
+            <a:p>
+              <a:pPr algn="ctr"/>
+              <a:r>
+                <a:rPr lang="zh-CN" sz="1100"/>
+                <a:t>用户</a:t>
+              </a:r>
+              <a:endParaRPr lang="zh-CN" sz="1100"/>
+            </a:p>
+            <a:p>
+              <a:pPr algn="ctr"/>
+              <a:r>
+                <a:rPr lang="en-US" altLang="zh-CN" sz="1100"/>
+                <a:t>——————</a:t>
+              </a:r>
+              <a:endParaRPr lang="en-US" altLang="zh-CN" sz="1100"/>
+            </a:p>
+            <a:p>
+              <a:pPr algn="ctr"/>
+              <a:r>
+                <a:rPr lang="zh-CN" altLang="en-US" sz="1100"/>
+                <a:t>用户号</a:t>
+              </a:r>
+              <a:endParaRPr lang="zh-CN" altLang="en-US" sz="1100"/>
+            </a:p>
+            <a:p>
+              <a:pPr algn="ctr"/>
+              <a:r>
+                <a:rPr lang="zh-CN" altLang="en-US" sz="1100"/>
+                <a:t>用户名称</a:t>
+              </a:r>
+              <a:endParaRPr lang="zh-CN" altLang="en-US" sz="1100"/>
+            </a:p>
+            <a:p>
+              <a:pPr algn="ctr"/>
+              <a:r>
+                <a:rPr lang="en-US" altLang="zh-CN" sz="1100"/>
+                <a:t>——————</a:t>
+              </a:r>
+              <a:endParaRPr lang="en-US" altLang="zh-CN" sz="1100"/>
+            </a:p>
+            <a:p>
+              <a:pPr algn="ctr"/>
+              <a:r>
+                <a:rPr lang="zh-CN" altLang="en-US" sz="1100"/>
+                <a:t>退出登录</a:t>
+              </a:r>
+              <a:endParaRPr lang="zh-CN" altLang="en-US" sz="1100"/>
+            </a:p>
+          </p:txBody>
+        </p:sp>
+        <p:cxnSp>
+          <p:nvCxnSpPr>
+            <p:cNvPr id="20" name="Straight Arrow Connector 22"/>
+            <p:cNvCxnSpPr/>
+            <p:nvPr/>
+          </p:nvCxnSpPr>
+          <p:spPr>
+            <a:xfrm flipH="1" flipV="1">
+              <a:off x="2281555" y="2998470"/>
+              <a:ext cx="4538345" cy="1249680"/>
+            </a:xfrm>
+            <a:prstGeom prst="straightConnector1">
+              <a:avLst/>
+            </a:prstGeom>
+            <a:ln w="6350" cap="flat" cmpd="sng" algn="ctr">
+              <a:solidFill>
+                <a:schemeClr val="accent1"/>
+              </a:solidFill>
+              <a:prstDash val="dash"/>
+              <a:miter lim="800000"/>
+              <a:tailEnd type="arrow" w="med" len="med"/>
+            </a:ln>
+          </p:spPr>
+          <p:style>
+            <a:lnRef idx="0">
+              <a:schemeClr val="accent1"/>
+            </a:lnRef>
+            <a:fillRef idx="0">
+              <a:srgbClr val="FFFFFF"/>
+            </a:fillRef>
+            <a:effectRef idx="0">
+              <a:srgbClr val="FFFFFF"/>
+            </a:effectRef>
+            <a:fontRef idx="minor">
+              <a:schemeClr val="tx1"/>
+            </a:fontRef>
+          </p:style>
+        </p:cxnSp>
+        <p:cxnSp>
+          <p:nvCxnSpPr>
+            <p:cNvPr id="21" name="Straight Arrow Connector 23"/>
+            <p:cNvCxnSpPr/>
+            <p:nvPr/>
+          </p:nvCxnSpPr>
+          <p:spPr>
+            <a:xfrm flipH="1" flipV="1">
+              <a:off x="5270500" y="2978785"/>
+              <a:ext cx="1639570" cy="1319530"/>
+            </a:xfrm>
+            <a:prstGeom prst="straightConnector1">
+              <a:avLst/>
+            </a:prstGeom>
+            <a:ln w="6350" cap="flat" cmpd="sng" algn="ctr">
+              <a:solidFill>
+                <a:schemeClr val="accent1"/>
+              </a:solidFill>
+              <a:prstDash val="dash"/>
+              <a:miter lim="800000"/>
+              <a:tailEnd type="arrow" w="med" len="med"/>
+            </a:ln>
+          </p:spPr>
+          <p:style>
+            <a:lnRef idx="0">
+              <a:schemeClr val="accent1"/>
+            </a:lnRef>
+            <a:fillRef idx="0">
+              <a:srgbClr val="FFFFFF"/>
+            </a:fillRef>
+            <a:effectRef idx="0">
+              <a:srgbClr val="FFFFFF"/>
+            </a:effectRef>
+            <a:fontRef idx="minor">
+              <a:schemeClr val="tx1"/>
+            </a:fontRef>
+          </p:style>
+        </p:cxnSp>
+        <p:cxnSp>
+          <p:nvCxnSpPr>
+            <p:cNvPr id="22" name="Straight Arrow Connector 24"/>
+            <p:cNvCxnSpPr/>
+            <p:nvPr/>
+          </p:nvCxnSpPr>
+          <p:spPr>
+            <a:xfrm flipH="1">
+              <a:off x="5280660" y="4298315"/>
+              <a:ext cx="1609090" cy="489585"/>
+            </a:xfrm>
+            <a:prstGeom prst="straightConnector1">
+              <a:avLst/>
+            </a:prstGeom>
+            <a:ln w="6350" cap="flat" cmpd="sng" algn="ctr">
+              <a:solidFill>
+                <a:schemeClr val="accent1"/>
+              </a:solidFill>
+              <a:prstDash val="dash"/>
+              <a:miter lim="800000"/>
+              <a:tailEnd type="arrow" w="med" len="med"/>
+            </a:ln>
+          </p:spPr>
+          <p:style>
+            <a:lnRef idx="0">
+              <a:schemeClr val="accent1"/>
+            </a:lnRef>
+            <a:fillRef idx="0">
+              <a:srgbClr val="FFFFFF"/>
+            </a:fillRef>
+            <a:effectRef idx="0">
+              <a:srgbClr val="FFFFFF"/>
+            </a:effectRef>
+            <a:fontRef idx="minor">
+              <a:schemeClr val="tx1"/>
+            </a:fontRef>
+          </p:style>
+        </p:cxnSp>
+        <p:cxnSp>
+          <p:nvCxnSpPr>
+            <p:cNvPr id="23" name="Straight Arrow Connector 25"/>
+            <p:cNvCxnSpPr>
+              <a:stCxn id="19" idx="0"/>
+              <a:endCxn id="13" idx="2"/>
+            </p:cNvCxnSpPr>
+            <p:nvPr/>
+          </p:nvCxnSpPr>
+          <p:spPr>
+            <a:xfrm flipH="1" flipV="1">
+              <a:off x="7544435" y="3168650"/>
+              <a:ext cx="20320" cy="966470"/>
+            </a:xfrm>
+            <a:prstGeom prst="straightConnector1">
+              <a:avLst/>
+            </a:prstGeom>
+            <a:ln w="6350" cap="flat" cmpd="sng" algn="ctr">
+              <a:solidFill>
+                <a:schemeClr val="accent1"/>
+              </a:solidFill>
+              <a:prstDash val="dash"/>
+              <a:miter lim="800000"/>
+              <a:tailEnd type="arrow" w="med" len="med"/>
+            </a:ln>
+          </p:spPr>
+          <p:style>
+            <a:lnRef idx="0">
+              <a:schemeClr val="accent1"/>
+            </a:lnRef>
+            <a:fillRef idx="0">
+              <a:srgbClr val="FFFFFF"/>
+            </a:fillRef>
+            <a:effectRef idx="0">
+              <a:srgbClr val="FFFFFF"/>
+            </a:effectRef>
+            <a:fontRef idx="minor">
+              <a:schemeClr val="tx1"/>
+            </a:fontRef>
+          </p:style>
+        </p:cxnSp>
+        <p:cxnSp>
+          <p:nvCxnSpPr>
+            <p:cNvPr id="24" name="Straight Arrow Connector 26"/>
+            <p:cNvCxnSpPr>
+              <a:endCxn id="14" idx="2"/>
+            </p:cNvCxnSpPr>
+            <p:nvPr/>
+          </p:nvCxnSpPr>
+          <p:spPr>
+            <a:xfrm flipV="1">
+              <a:off x="7609840" y="3359150"/>
+              <a:ext cx="3035935" cy="749300"/>
+            </a:xfrm>
+            <a:prstGeom prst="straightConnector1">
+              <a:avLst/>
+            </a:prstGeom>
+            <a:ln w="6350" cap="flat" cmpd="sng" algn="ctr">
+              <a:solidFill>
+                <a:schemeClr val="accent1"/>
+              </a:solidFill>
+              <a:prstDash val="dash"/>
+              <a:miter lim="800000"/>
+              <a:tailEnd type="arrow" w="med" len="med"/>
+            </a:ln>
+          </p:spPr>
+          <p:style>
+            <a:lnRef idx="0">
+              <a:schemeClr val="accent1"/>
+            </a:lnRef>
+            <a:fillRef idx="0">
+              <a:srgbClr val="FFFFFF"/>
+            </a:fillRef>
+            <a:effectRef idx="0">
+              <a:srgbClr val="FFFFFF"/>
+            </a:effectRef>
+            <a:fontRef idx="minor">
+              <a:schemeClr val="tx1"/>
+            </a:fontRef>
+          </p:style>
+        </p:cxnSp>
+        <p:cxnSp>
+          <p:nvCxnSpPr>
+            <p:cNvPr id="25" name="Straight Arrow Connector 27"/>
+            <p:cNvCxnSpPr>
+              <a:stCxn id="12" idx="2"/>
+              <a:endCxn id="15" idx="0"/>
+            </p:cNvCxnSpPr>
+            <p:nvPr/>
+          </p:nvCxnSpPr>
+          <p:spPr>
+            <a:xfrm>
+              <a:off x="4550410" y="3168650"/>
+              <a:ext cx="0" cy="966470"/>
+            </a:xfrm>
+            <a:prstGeom prst="straightConnector1">
+              <a:avLst/>
+            </a:prstGeom>
+            <a:ln w="6350" cap="flat" cmpd="sng" algn="ctr">
+              <a:solidFill>
+                <a:schemeClr val="accent1"/>
+              </a:solidFill>
+              <a:prstDash val="dash"/>
+              <a:miter lim="800000"/>
+              <a:tailEnd type="arrow" w="med" len="med"/>
+            </a:ln>
+          </p:spPr>
+          <p:style>
+            <a:lnRef idx="0">
+              <a:schemeClr val="accent1"/>
+            </a:lnRef>
+            <a:fillRef idx="0">
+              <a:srgbClr val="FFFFFF"/>
+            </a:fillRef>
+            <a:effectRef idx="0">
+              <a:srgbClr val="FFFFFF"/>
+            </a:effectRef>
+            <a:fontRef idx="minor">
+              <a:schemeClr val="tx1"/>
+            </a:fontRef>
+          </p:style>
+        </p:cxnSp>
+      </p:grpSp>
+      <p:sp>
+        <p:nvSpPr>
+          <p:cNvPr id="32" name="Rectangles 3"/>
+          <p:cNvSpPr/>
+          <p:nvPr/>
+        </p:nvSpPr>
+        <p:spPr>
+          <a:xfrm>
+            <a:off x="3325018" y="196452"/>
+            <a:ext cx="1061182" cy="1498415"/>
+          </a:xfrm>
+          <a:prstGeom prst="rect">
+            <a:avLst/>
+          </a:prstGeom>
+        </p:spPr>
+        <p:style>
+          <a:lnRef idx="2">
+            <a:schemeClr val="accent1">
+              <a:lumMod val="75000"/>
+            </a:schemeClr>
+          </a:lnRef>
+          <a:fillRef idx="1">
+            <a:schemeClr val="accent1"/>
+          </a:fillRef>
+          <a:effectRef idx="0">
+            <a:srgbClr val="FFFFFF"/>
+          </a:effectRef>
+          <a:fontRef idx="minor">
+            <a:schemeClr val="lt1"/>
+          </a:fontRef>
+        </p:style>
+        <p:txBody>
+          <a:bodyPr rtlCol="0" anchor="ctr"/>
+          <a:lstStyle/>
+          <a:p>
+            <a:pPr algn="ctr"/>
+            <a:r>
+              <a:rPr lang="zh-CN" sz="1100"/>
+              <a:t>楼</a:t>
+            </a:r>
+            <a:r>
+              <a:rPr lang="zh-CN" altLang="en-US" sz="1100"/>
+              <a:t>内部界面</a:t>
+            </a:r>
+            <a:endParaRPr lang="zh-CN" sz="1100"/>
+          </a:p>
+          <a:p>
+            <a:pPr algn="ctr"/>
+            <a:r>
+              <a:rPr lang="en-US" altLang="zh-CN" sz="1100"/>
+              <a:t>——————</a:t>
+            </a:r>
+            <a:endParaRPr lang="en-US" altLang="zh-CN" sz="1100"/>
+          </a:p>
+          <a:p>
+            <a:pPr algn="ctr"/>
+            <a:r>
+              <a:rPr lang="zh-CN" altLang="en-US" sz="1100"/>
+              <a:t>楼名称</a:t>
+            </a:r>
+            <a:endParaRPr lang="zh-CN" altLang="en-US" sz="1100"/>
+          </a:p>
+          <a:p>
+            <a:pPr algn="ctr"/>
+            <a:r>
+              <a:rPr lang="en-US" altLang="zh-CN" sz="1100"/>
+              <a:t>——————</a:t>
+            </a:r>
+            <a:endParaRPr lang="zh-CN" altLang="en-US" sz="1100"/>
+          </a:p>
+          <a:p>
+            <a:pPr algn="ctr"/>
+            <a:r>
+              <a:rPr lang="zh-CN" altLang="en-US" sz="1100"/>
+              <a:t>离开楼</a:t>
+            </a:r>
+            <a:endParaRPr lang="zh-CN" altLang="en-US" sz="1100"/>
+          </a:p>
+        </p:txBody>
+      </p:sp>
+      <p:sp>
+        <p:nvSpPr>
+          <p:cNvPr id="33" name="Rectangles 3"/>
+          <p:cNvSpPr/>
+          <p:nvPr/>
+        </p:nvSpPr>
+        <p:spPr>
+          <a:xfrm>
+            <a:off x="5504526" y="171141"/>
+            <a:ext cx="1061182" cy="1498415"/>
+          </a:xfrm>
+          <a:prstGeom prst="rect">
+            <a:avLst/>
+          </a:prstGeom>
+        </p:spPr>
+        <p:style>
+          <a:lnRef idx="2">
+            <a:schemeClr val="accent1">
+              <a:lumMod val="75000"/>
+            </a:schemeClr>
+          </a:lnRef>
+          <a:fillRef idx="1">
+            <a:schemeClr val="accent1"/>
+          </a:fillRef>
+          <a:effectRef idx="0">
+            <a:srgbClr val="FFFFFF"/>
+          </a:effectRef>
+          <a:fontRef idx="minor">
+            <a:schemeClr val="lt1"/>
+          </a:fontRef>
+        </p:style>
+        <p:txBody>
+          <a:bodyPr rtlCol="0" anchor="ctr"/>
+          <a:lstStyle/>
+          <a:p>
+            <a:pPr algn="ctr"/>
+            <a:r>
+              <a:rPr lang="zh-CN" altLang="en-US" sz="1100"/>
+              <a:t>教室内部界面</a:t>
+            </a:r>
+            <a:endParaRPr lang="zh-CN" sz="1100"/>
+          </a:p>
+          <a:p>
+            <a:pPr algn="ctr"/>
+            <a:r>
+              <a:rPr lang="en-US" altLang="zh-CN" sz="1100"/>
+              <a:t>——————</a:t>
+            </a:r>
+            <a:endParaRPr lang="zh-CN" altLang="en-US" sz="1100"/>
+          </a:p>
+          <a:p>
+            <a:pPr algn="ctr"/>
+            <a:r>
+              <a:rPr lang="zh-CN" altLang="en-US" sz="1100"/>
+              <a:t>教室名称</a:t>
+            </a:r>
+            <a:endParaRPr lang="zh-CN" altLang="en-US" sz="1100"/>
+          </a:p>
+          <a:p>
+            <a:pPr algn="ctr"/>
+            <a:r>
+              <a:rPr lang="en-US" altLang="zh-CN" sz="1100"/>
+              <a:t>——————</a:t>
+            </a:r>
+            <a:endParaRPr lang="en-US" altLang="zh-CN" sz="1100"/>
+          </a:p>
+          <a:p>
+            <a:pPr algn="ctr"/>
+            <a:r>
+              <a:rPr lang="zh-CN" altLang="en-US" sz="1100"/>
+              <a:t>进入</a:t>
+            </a:r>
+            <a:r>
+              <a:rPr lang="zh-CN" altLang="en-US" sz="1100">
+                <a:sym typeface="+mn-ea"/>
+              </a:rPr>
+              <a:t>教室</a:t>
+            </a:r>
+            <a:endParaRPr lang="zh-CN" altLang="en-US" sz="1100"/>
+          </a:p>
+          <a:p>
+            <a:pPr algn="ctr"/>
+            <a:r>
+              <a:rPr lang="zh-CN" altLang="en-US" sz="1100"/>
+              <a:t>离开</a:t>
+            </a:r>
+            <a:r>
+              <a:rPr lang="zh-CN" altLang="en-US" sz="1100">
+                <a:sym typeface="+mn-ea"/>
+              </a:rPr>
+              <a:t>教室</a:t>
+            </a:r>
+            <a:endParaRPr lang="zh-CN" altLang="en-US" sz="1100">
+              <a:sym typeface="+mn-ea"/>
+            </a:endParaRPr>
+          </a:p>
+          <a:p>
+            <a:pPr algn="ctr"/>
+            <a:r>
+              <a:rPr lang="zh-CN" altLang="en-US" sz="1100"/>
+              <a:t>进入讨论板</a:t>
+            </a:r>
+            <a:endParaRPr lang="zh-CN" altLang="en-US" sz="1100"/>
+          </a:p>
+        </p:txBody>
+      </p:sp>
+      <p:sp>
+        <p:nvSpPr>
+          <p:cNvPr id="34" name="Rectangles 3"/>
+          <p:cNvSpPr/>
+          <p:nvPr/>
+        </p:nvSpPr>
+        <p:spPr>
+          <a:xfrm>
+            <a:off x="7860087" y="131498"/>
+            <a:ext cx="1061182" cy="1498415"/>
+          </a:xfrm>
+          <a:prstGeom prst="rect">
+            <a:avLst/>
+          </a:prstGeom>
+        </p:spPr>
+        <p:style>
+          <a:lnRef idx="2">
+            <a:schemeClr val="accent1">
+              <a:lumMod val="75000"/>
+            </a:schemeClr>
+          </a:lnRef>
+          <a:fillRef idx="1">
+            <a:schemeClr val="accent1"/>
+          </a:fillRef>
+          <a:effectRef idx="0">
+            <a:srgbClr val="FFFFFF"/>
+          </a:effectRef>
+          <a:fontRef idx="minor">
+            <a:schemeClr val="lt1"/>
+          </a:fontRef>
+        </p:style>
+        <p:txBody>
+          <a:bodyPr rtlCol="0" anchor="ctr"/>
+          <a:lstStyle/>
+          <a:p>
+            <a:pPr algn="ctr"/>
+            <a:r>
+              <a:rPr lang="zh-CN" altLang="en-US" sz="1100"/>
+              <a:t>座位界面</a:t>
+            </a:r>
+            <a:endParaRPr lang="zh-CN" sz="1100"/>
+          </a:p>
+          <a:p>
+            <a:pPr algn="ctr"/>
+            <a:r>
+              <a:rPr lang="en-US" altLang="zh-CN" sz="1100"/>
+              <a:t>——————</a:t>
+            </a:r>
+            <a:endParaRPr lang="en-US" altLang="zh-CN" sz="1100"/>
+          </a:p>
+          <a:p>
+            <a:pPr algn="ctr"/>
+            <a:r>
+              <a:rPr lang="zh-CN" altLang="en-US" sz="1100"/>
+              <a:t>座位号</a:t>
+            </a:r>
+            <a:endParaRPr lang="zh-CN" altLang="en-US" sz="1100"/>
+          </a:p>
+          <a:p>
+            <a:pPr algn="ctr"/>
+            <a:r>
+              <a:rPr lang="en-US" altLang="zh-CN" sz="1100"/>
+              <a:t>——————</a:t>
+            </a:r>
+            <a:endParaRPr lang="en-US" altLang="zh-CN" sz="1100"/>
+          </a:p>
+          <a:p>
+            <a:pPr algn="ctr"/>
+            <a:r>
+              <a:rPr lang="zh-CN" altLang="en-US" sz="1100"/>
+              <a:t>离开</a:t>
+            </a:r>
+            <a:r>
+              <a:rPr lang="zh-CN" altLang="en-US" sz="1100">
+                <a:sym typeface="+mn-ea"/>
+              </a:rPr>
+              <a:t>座位</a:t>
+            </a:r>
+            <a:endParaRPr lang="zh-CN" altLang="en-US" sz="1100"/>
+          </a:p>
+        </p:txBody>
+      </p:sp>
+      <p:sp>
+        <p:nvSpPr>
+          <p:cNvPr id="35" name="Rectangles 3"/>
+          <p:cNvSpPr/>
+          <p:nvPr/>
+        </p:nvSpPr>
+        <p:spPr>
+          <a:xfrm>
+            <a:off x="10027507" y="126472"/>
+            <a:ext cx="1061182" cy="1543084"/>
+          </a:xfrm>
+          <a:prstGeom prst="rect">
+            <a:avLst/>
+          </a:prstGeom>
+        </p:spPr>
+        <p:style>
+          <a:lnRef idx="2">
+            <a:schemeClr val="accent1">
+              <a:lumMod val="75000"/>
+            </a:schemeClr>
+          </a:lnRef>
+          <a:fillRef idx="1">
+            <a:schemeClr val="accent1"/>
+          </a:fillRef>
+          <a:effectRef idx="0">
+            <a:srgbClr val="FFFFFF"/>
+          </a:effectRef>
+          <a:fontRef idx="minor">
+            <a:schemeClr val="lt1"/>
+          </a:fontRef>
+        </p:style>
+        <p:txBody>
+          <a:bodyPr rtlCol="0" anchor="ctr"/>
+          <a:lstStyle/>
+          <a:p>
+            <a:pPr algn="ctr"/>
+            <a:r>
+              <a:rPr lang="zh-CN" altLang="en-US" sz="1100"/>
+              <a:t>专注自习界面</a:t>
+            </a:r>
+            <a:endParaRPr lang="zh-CN" sz="1100"/>
+          </a:p>
+          <a:p>
+            <a:pPr algn="ctr"/>
+            <a:r>
+              <a:rPr lang="en-US" altLang="zh-CN" sz="1100"/>
+              <a:t>——————</a:t>
+            </a:r>
+            <a:endParaRPr lang="en-US" altLang="zh-CN" sz="1100"/>
+          </a:p>
+          <a:p>
+            <a:pPr algn="ctr"/>
+            <a:r>
+              <a:rPr lang="zh-CN" altLang="en-US" sz="1100"/>
+              <a:t>自习时间</a:t>
+            </a:r>
+            <a:endParaRPr lang="en-US" altLang="zh-CN" sz="1100"/>
+          </a:p>
+          <a:p>
+            <a:pPr algn="ctr"/>
+            <a:r>
+              <a:rPr lang="zh-CN" altLang="en-US" sz="1100"/>
+              <a:t>休息时间</a:t>
+            </a:r>
+            <a:endParaRPr lang="en-US" altLang="zh-CN" sz="1100"/>
+          </a:p>
+          <a:p>
+            <a:pPr algn="ctr"/>
+            <a:r>
+              <a:rPr lang="zh-CN" altLang="en-US" sz="1100"/>
+              <a:t>周期数</a:t>
+            </a:r>
+            <a:endParaRPr lang="en-US" altLang="zh-CN" sz="1100"/>
+          </a:p>
+          <a:p>
+            <a:pPr algn="ctr"/>
+            <a:r>
+              <a:rPr lang="en-US" altLang="zh-CN" sz="1100"/>
+              <a:t>——————</a:t>
+            </a:r>
+            <a:endParaRPr lang="en-US" altLang="zh-CN" sz="1100"/>
+          </a:p>
+          <a:p>
+            <a:pPr algn="ctr"/>
+            <a:r>
+              <a:rPr lang="zh-CN" altLang="en-US" sz="1100"/>
+              <a:t>设置计划信息</a:t>
+            </a:r>
+            <a:endParaRPr lang="zh-CN" altLang="en-US" sz="1100"/>
+          </a:p>
+          <a:p>
+            <a:pPr algn="ctr"/>
+            <a:r>
+              <a:rPr lang="zh-CN" altLang="en-US" sz="1100"/>
+              <a:t>开始自习</a:t>
+            </a:r>
+            <a:endParaRPr lang="zh-CN" altLang="en-US" sz="1100"/>
+          </a:p>
+          <a:p>
+            <a:pPr algn="ctr"/>
+            <a:r>
+              <a:rPr lang="zh-CN" altLang="en-US" sz="1100"/>
+              <a:t>结束自习</a:t>
+            </a:r>
+            <a:endParaRPr lang="zh-CN" altLang="en-US" sz="1100"/>
+          </a:p>
+        </p:txBody>
+      </p:sp>
+      <p:sp>
+        <p:nvSpPr>
+          <p:cNvPr id="36" name="Rectangles 3"/>
+          <p:cNvSpPr/>
+          <p:nvPr/>
+        </p:nvSpPr>
+        <p:spPr>
+          <a:xfrm>
+            <a:off x="3466510" y="4844402"/>
+            <a:ext cx="1061182" cy="1498415"/>
+          </a:xfrm>
+          <a:prstGeom prst="rect">
+            <a:avLst/>
+          </a:prstGeom>
+        </p:spPr>
+        <p:style>
+          <a:lnRef idx="2">
+            <a:schemeClr val="accent1">
+              <a:lumMod val="75000"/>
+            </a:schemeClr>
+          </a:lnRef>
+          <a:fillRef idx="1">
+            <a:schemeClr val="accent1"/>
+          </a:fillRef>
+          <a:effectRef idx="0">
+            <a:srgbClr val="FFFFFF"/>
+          </a:effectRef>
+          <a:fontRef idx="minor">
+            <a:schemeClr val="lt1"/>
+          </a:fontRef>
+        </p:style>
+        <p:txBody>
+          <a:bodyPr rtlCol="0" anchor="ctr"/>
+          <a:lstStyle/>
+          <a:p>
+            <a:pPr algn="ctr"/>
+            <a:r>
+              <a:rPr lang="zh-CN" altLang="en-US" sz="1100"/>
+              <a:t>讨论板界面</a:t>
+            </a:r>
+            <a:endParaRPr lang="zh-CN" sz="1100"/>
+          </a:p>
+          <a:p>
+            <a:pPr algn="ctr"/>
+            <a:r>
+              <a:rPr lang="en-US" altLang="zh-CN" sz="1100"/>
+              <a:t>——————</a:t>
+            </a:r>
+            <a:endParaRPr lang="en-US" altLang="zh-CN" sz="1100"/>
+          </a:p>
+          <a:p>
+            <a:pPr algn="ctr"/>
+            <a:r>
+              <a:rPr lang="zh-CN" altLang="en-US" sz="1100"/>
+              <a:t>楼号</a:t>
+            </a:r>
+            <a:endParaRPr lang="zh-CN" altLang="en-US" sz="1100"/>
+          </a:p>
+          <a:p>
+            <a:pPr algn="ctr"/>
+            <a:r>
+              <a:rPr lang="zh-CN" altLang="en-US" sz="1100"/>
+              <a:t>楼名称</a:t>
+            </a:r>
+            <a:endParaRPr lang="zh-CN" altLang="en-US" sz="1100"/>
+          </a:p>
+          <a:p>
+            <a:pPr algn="ctr"/>
+            <a:r>
+              <a:rPr lang="en-US" altLang="zh-CN" sz="1100"/>
+              <a:t>——————</a:t>
+            </a:r>
+            <a:endParaRPr lang="en-US" altLang="zh-CN" sz="1100"/>
+          </a:p>
+          <a:p>
+            <a:pPr algn="ctr"/>
+            <a:r>
+              <a:rPr lang="zh-CN" altLang="en-US" sz="1100"/>
+              <a:t>离开讨论板</a:t>
+            </a:r>
+            <a:endParaRPr lang="zh-CN" altLang="en-US" sz="1100"/>
+          </a:p>
+        </p:txBody>
+      </p:sp>
+      <p:cxnSp>
+        <p:nvCxnSpPr>
+          <p:cNvPr id="37" name="Straight Arrow Connector 22"/>
+          <p:cNvCxnSpPr>
+            <a:stCxn id="32" idx="2"/>
+            <a:endCxn id="11" idx="0"/>
+          </p:cNvCxnSpPr>
+          <p:nvPr/>
+        </p:nvCxnSpPr>
+        <p:spPr>
+          <a:xfrm flipH="1">
+            <a:off x="3813326" y="1694867"/>
+            <a:ext cx="42283" cy="1051754"/>
+          </a:xfrm>
+          <a:prstGeom prst="straightConnector1">
+            <a:avLst/>
+          </a:prstGeom>
+          <a:ln w="6350" cap="flat" cmpd="sng" algn="ctr">
+            <a:solidFill>
+              <a:schemeClr val="accent1"/>
+            </a:solidFill>
+            <a:prstDash val="dash"/>
+            <a:miter lim="800000"/>
+            <a:tailEnd type="arrow" w="med" len="med"/>
+          </a:ln>
+        </p:spPr>
+        <p:style>
+          <a:lnRef idx="0">
+            <a:schemeClr val="accent1"/>
+          </a:lnRef>
+          <a:fillRef idx="0">
+            <a:srgbClr val="FFFFFF"/>
+          </a:fillRef>
+          <a:effectRef idx="0">
+            <a:srgbClr val="FFFFFF"/>
+          </a:effectRef>
+          <a:fontRef idx="minor">
+            <a:schemeClr val="tx1"/>
+          </a:fontRef>
+        </p:style>
+      </p:cxnSp>
+      <p:cxnSp>
+        <p:nvCxnSpPr>
+          <p:cNvPr id="38" name="Straight Arrow Connector 22"/>
+          <p:cNvCxnSpPr/>
+          <p:nvPr/>
+        </p:nvCxnSpPr>
+        <p:spPr>
+          <a:xfrm flipH="1">
+            <a:off x="6053717" y="1716417"/>
+            <a:ext cx="42283" cy="1051754"/>
+          </a:xfrm>
+          <a:prstGeom prst="straightConnector1">
+            <a:avLst/>
+          </a:prstGeom>
+          <a:ln w="6350" cap="flat" cmpd="sng" algn="ctr">
+            <a:solidFill>
+              <a:schemeClr val="accent1"/>
+            </a:solidFill>
+            <a:prstDash val="dash"/>
+            <a:miter lim="800000"/>
+            <a:tailEnd type="arrow" w="med" len="med"/>
+          </a:ln>
+        </p:spPr>
+        <p:style>
+          <a:lnRef idx="0">
+            <a:schemeClr val="accent1"/>
+          </a:lnRef>
+          <a:fillRef idx="0">
+            <a:srgbClr val="FFFFFF"/>
+          </a:fillRef>
+          <a:effectRef idx="0">
+            <a:srgbClr val="FFFFFF"/>
+          </a:effectRef>
+          <a:fontRef idx="minor">
+            <a:schemeClr val="tx1"/>
+          </a:fontRef>
+        </p:style>
+      </p:cxnSp>
+      <p:cxnSp>
+        <p:nvCxnSpPr>
+          <p:cNvPr id="39" name="Straight Arrow Connector 22"/>
+          <p:cNvCxnSpPr>
+            <a:stCxn id="34" idx="2"/>
+          </p:cNvCxnSpPr>
+          <p:nvPr/>
+        </p:nvCxnSpPr>
+        <p:spPr>
+          <a:xfrm flipH="1">
+            <a:off x="8263160" y="1629913"/>
+            <a:ext cx="127518" cy="1123826"/>
+          </a:xfrm>
+          <a:prstGeom prst="straightConnector1">
+            <a:avLst/>
+          </a:prstGeom>
+          <a:ln w="6350" cap="flat" cmpd="sng" algn="ctr">
+            <a:solidFill>
+              <a:schemeClr val="accent1"/>
+            </a:solidFill>
+            <a:prstDash val="dash"/>
+            <a:miter lim="800000"/>
+            <a:tailEnd type="arrow" w="med" len="med"/>
+          </a:ln>
+        </p:spPr>
+        <p:style>
+          <a:lnRef idx="0">
+            <a:schemeClr val="accent1"/>
+          </a:lnRef>
+          <a:fillRef idx="0">
+            <a:srgbClr val="FFFFFF"/>
+          </a:fillRef>
+          <a:effectRef idx="0">
+            <a:srgbClr val="FFFFFF"/>
+          </a:effectRef>
+          <a:fontRef idx="minor">
+            <a:schemeClr val="tx1"/>
+          </a:fontRef>
+        </p:style>
+      </p:cxnSp>
+      <p:cxnSp>
+        <p:nvCxnSpPr>
+          <p:cNvPr id="40" name="Straight Arrow Connector 22"/>
+          <p:cNvCxnSpPr>
+            <a:stCxn id="35" idx="2"/>
+          </p:cNvCxnSpPr>
+          <p:nvPr/>
+        </p:nvCxnSpPr>
+        <p:spPr>
+          <a:xfrm flipH="1">
+            <a:off x="10536696" y="1669556"/>
+            <a:ext cx="21402" cy="1084183"/>
+          </a:xfrm>
+          <a:prstGeom prst="straightConnector1">
+            <a:avLst/>
+          </a:prstGeom>
+          <a:ln w="6350" cap="flat" cmpd="sng" algn="ctr">
+            <a:solidFill>
+              <a:schemeClr val="accent1"/>
+            </a:solidFill>
+            <a:prstDash val="dash"/>
+            <a:miter lim="800000"/>
+            <a:tailEnd type="arrow" w="med" len="med"/>
+          </a:ln>
+        </p:spPr>
+        <p:style>
+          <a:lnRef idx="0">
+            <a:schemeClr val="accent1"/>
+          </a:lnRef>
+          <a:fillRef idx="0">
+            <a:srgbClr val="FFFFFF"/>
+          </a:fillRef>
+          <a:effectRef idx="0">
+            <a:srgbClr val="FFFFFF"/>
+          </a:effectRef>
+          <a:fontRef idx="minor">
+            <a:schemeClr val="tx1"/>
+          </a:fontRef>
+        </p:style>
+      </p:cxnSp>
+      <p:cxnSp>
+        <p:nvCxnSpPr>
+          <p:cNvPr id="41" name="Straight Arrow Connector 22"/>
+          <p:cNvCxnSpPr>
+            <a:stCxn id="36" idx="3"/>
+            <a:endCxn id="15" idx="1"/>
+          </p:cNvCxnSpPr>
+          <p:nvPr/>
+        </p:nvCxnSpPr>
+        <p:spPr>
+          <a:xfrm>
+            <a:off x="4527692" y="5593610"/>
+            <a:ext cx="976834" cy="20249"/>
+          </a:xfrm>
+          <a:prstGeom prst="straightConnector1">
+            <a:avLst/>
+          </a:prstGeom>
+          <a:ln w="6350" cap="flat" cmpd="sng" algn="ctr">
+            <a:solidFill>
+              <a:schemeClr val="accent1"/>
+            </a:solidFill>
+            <a:prstDash val="dash"/>
+            <a:miter lim="800000"/>
+            <a:tailEnd type="arrow" w="med" len="med"/>
+          </a:ln>
+        </p:spPr>
+        <p:style>
+          <a:lnRef idx="0">
+            <a:schemeClr val="accent1"/>
+          </a:lnRef>
+          <a:fillRef idx="0">
+            <a:srgbClr val="FFFFFF"/>
+          </a:fillRef>
+          <a:effectRef idx="0">
+            <a:srgbClr val="FFFFFF"/>
+          </a:effectRef>
+          <a:fontRef idx="minor">
+            <a:schemeClr val="tx1"/>
+          </a:fontRef>
+        </p:style>
+      </p:cxnSp>
+      <p:sp>
+        <p:nvSpPr>
+          <p:cNvPr id="42" name="Rectangles 3"/>
+          <p:cNvSpPr/>
+          <p:nvPr/>
+        </p:nvSpPr>
+        <p:spPr>
+          <a:xfrm>
+            <a:off x="9738303" y="4860488"/>
+            <a:ext cx="1061182" cy="1498415"/>
+          </a:xfrm>
+          <a:prstGeom prst="rect">
+            <a:avLst/>
+          </a:prstGeom>
+        </p:spPr>
+        <p:style>
+          <a:lnRef idx="2">
+            <a:schemeClr val="accent1">
+              <a:lumMod val="75000"/>
+            </a:schemeClr>
+          </a:lnRef>
+          <a:fillRef idx="1">
+            <a:schemeClr val="accent1"/>
+          </a:fillRef>
+          <a:effectRef idx="0">
+            <a:srgbClr val="FFFFFF"/>
+          </a:effectRef>
+          <a:fontRef idx="minor">
+            <a:schemeClr val="lt1"/>
+          </a:fontRef>
+        </p:style>
+        <p:txBody>
+          <a:bodyPr rtlCol="0" anchor="ctr"/>
+          <a:lstStyle/>
+          <a:p>
+            <a:pPr algn="ctr"/>
+            <a:r>
+              <a:rPr lang="zh-CN" altLang="en-US" sz="1100"/>
+              <a:t>用户信息界面</a:t>
+            </a:r>
+            <a:endParaRPr lang="zh-CN" sz="1100"/>
+          </a:p>
+          <a:p>
+            <a:pPr algn="ctr"/>
+            <a:r>
+              <a:rPr lang="en-US" altLang="zh-CN" sz="1100"/>
+              <a:t>——————</a:t>
+            </a:r>
+            <a:endParaRPr lang="en-US" altLang="zh-CN" sz="1100"/>
+          </a:p>
+          <a:p>
+            <a:pPr algn="ctr"/>
+            <a:endParaRPr lang="en-US" altLang="zh-CN" sz="1100"/>
+          </a:p>
+          <a:p>
+            <a:pPr algn="ctr"/>
+            <a:r>
+              <a:rPr lang="en-US" altLang="zh-CN" sz="1100"/>
+              <a:t>——————</a:t>
+            </a:r>
+            <a:endParaRPr lang="en-US" altLang="zh-CN" sz="1100"/>
+          </a:p>
+          <a:p>
+            <a:pPr algn="ctr"/>
+            <a:r>
+              <a:rPr lang="zh-CN" altLang="en-US" sz="1100"/>
+              <a:t>离开用户信息界面</a:t>
+            </a:r>
+            <a:endParaRPr lang="zh-CN" altLang="en-US" sz="1100"/>
+          </a:p>
+        </p:txBody>
+      </p:sp>
+      <p:cxnSp>
+        <p:nvCxnSpPr>
+          <p:cNvPr id="43" name="Straight Arrow Connector 22"/>
+          <p:cNvCxnSpPr>
+            <a:stCxn id="42" idx="1"/>
+            <a:endCxn id="19" idx="3"/>
+          </p:cNvCxnSpPr>
+          <p:nvPr/>
+        </p:nvCxnSpPr>
+        <p:spPr>
+          <a:xfrm flipH="1">
+            <a:off x="8802577" y="5609696"/>
+            <a:ext cx="935726" cy="923"/>
+          </a:xfrm>
+          <a:prstGeom prst="straightConnector1">
+            <a:avLst/>
+          </a:prstGeom>
+          <a:ln w="6350" cap="flat" cmpd="sng" algn="ctr">
+            <a:solidFill>
+              <a:schemeClr val="accent1"/>
+            </a:solidFill>
+            <a:prstDash val="dash"/>
+            <a:miter lim="800000"/>
+            <a:tailEnd type="arrow" w="med" len="med"/>
+          </a:ln>
+        </p:spPr>
+        <p:style>
+          <a:lnRef idx="0">
+            <a:schemeClr val="accent1"/>
+          </a:lnRef>
+          <a:fillRef idx="0">
+            <a:srgbClr val="FFFFFF"/>
+          </a:fillRef>
+          <a:effectRef idx="0">
+            <a:srgbClr val="FFFFFF"/>
+          </a:effectRef>
+          <a:fontRef idx="minor">
+            <a:schemeClr val="tx1"/>
+          </a:fontRef>
+        </p:style>
+      </p:cxnSp>
+      <p:sp>
+        <p:nvSpPr>
+          <p:cNvPr id="44" name="文本框 43"/>
+          <p:cNvSpPr txBox="1"/>
+          <p:nvPr/>
+        </p:nvSpPr>
+        <p:spPr>
+          <a:xfrm>
+            <a:off x="391197" y="1286594"/>
+            <a:ext cx="2181803" cy="646331"/>
+          </a:xfrm>
+          <a:prstGeom prst="rect">
+            <a:avLst/>
+          </a:prstGeom>
+          <a:noFill/>
+        </p:spPr>
+        <p:txBody>
+          <a:bodyPr wrap="square" rtlCol="0">
+            <a:spAutoFit/>
+          </a:bodyPr>
+          <a:lstStyle/>
+          <a:p>
+            <a:r>
+              <a:rPr lang="zh-CN" altLang="en-US"/>
+              <a:t>为每个场景以及用户信息都提供界面</a:t>
+            </a:r>
+            <a:endParaRPr lang="zh-CN" altLang="en-US"/>
+          </a:p>
+        </p:txBody>
+      </p:sp>
+    </p:spTree>
+  </p:cSld>
+  <p:clrMapOvr>
+    <a:masterClrMapping/>
+  </p:clrMapOvr>
+</p:sld>
+</file>
+
+<file path=ppt/slides/slide11.xml><?xml version="1.0" encoding="utf-8"?>
 <p:sld xmlns:a="http://schemas.openxmlformats.org/drawingml/2006/main" xmlns:r="http://schemas.openxmlformats.org/officeDocument/2006/relationships" xmlns:p="http://schemas.openxmlformats.org/presentationml/2006/main">
   <p:cSld>
     <p:spTree>
@@ -5321,7 +7509,7 @@
 </p:sld>
 </file>
 
-<file path=ppt/slides/slide11.xml><?xml version="1.0" encoding="utf-8"?>
+<file path=ppt/slides/slide12.xml><?xml version="1.0" encoding="utf-8"?>
 <p:sld xmlns:a="http://schemas.openxmlformats.org/drawingml/2006/main" xmlns:r="http://schemas.openxmlformats.org/officeDocument/2006/relationships" xmlns:p="http://schemas.openxmlformats.org/presentationml/2006/main">
   <p:cSld>
     <p:spTree>
@@ -7782,7 +9970,7 @@
 </p:sld>
 </file>
 
-<file path=ppt/slides/slide12.xml><?xml version="1.0" encoding="utf-8"?>
+<file path=ppt/slides/slide13.xml><?xml version="1.0" encoding="utf-8"?>
 <p:sld xmlns:a="http://schemas.openxmlformats.org/drawingml/2006/main" xmlns:r="http://schemas.openxmlformats.org/officeDocument/2006/relationships" xmlns:p="http://schemas.openxmlformats.org/presentationml/2006/main">
   <p:cSld>
     <p:bg>
@@ -7906,7 +10094,7 @@
 </p:sld>
 </file>
 
-<file path=ppt/slides/slide13.xml><?xml version="1.0" encoding="utf-8"?>
+<file path=ppt/slides/slide14.xml><?xml version="1.0" encoding="utf-8"?>
 <p:sld xmlns:a="http://schemas.openxmlformats.org/drawingml/2006/main" xmlns:r="http://schemas.openxmlformats.org/officeDocument/2006/relationships" xmlns:p="http://schemas.openxmlformats.org/presentationml/2006/main">
   <p:cSld>
     <p:spTree>
@@ -8010,7 +10198,7 @@
 </p:sld>
 </file>
 
-<file path=ppt/slides/slide14.xml><?xml version="1.0" encoding="utf-8"?>
+<file path=ppt/slides/slide15.xml><?xml version="1.0" encoding="utf-8"?>
 <p:sld xmlns:a="http://schemas.openxmlformats.org/drawingml/2006/main" xmlns:r="http://schemas.openxmlformats.org/officeDocument/2006/relationships" xmlns:p="http://schemas.openxmlformats.org/presentationml/2006/main">
   <p:cSld>
     <p:bg>
@@ -8144,7 +10332,7 @@
 </p:sld>
 </file>
 
-<file path=ppt/slides/slide15.xml><?xml version="1.0" encoding="utf-8"?>
+<file path=ppt/slides/slide16.xml><?xml version="1.0" encoding="utf-8"?>
 <p:sld xmlns:a="http://schemas.openxmlformats.org/drawingml/2006/main" xmlns:r="http://schemas.openxmlformats.org/officeDocument/2006/relationships" xmlns:p="http://schemas.openxmlformats.org/presentationml/2006/main">
   <p:cSld>
     <p:spTree>
@@ -8862,7 +11050,7 @@
 </p:sld>
 </file>
 
-<file path=ppt/slides/slide16.xml><?xml version="1.0" encoding="utf-8"?>
+<file path=ppt/slides/slide17.xml><?xml version="1.0" encoding="utf-8"?>
 <p:sld xmlns:a="http://schemas.openxmlformats.org/drawingml/2006/main" xmlns:r="http://schemas.openxmlformats.org/officeDocument/2006/relationships" xmlns:p="http://schemas.openxmlformats.org/presentationml/2006/main">
   <p:cSld>
     <p:spTree>
@@ -9580,7 +11768,7 @@
 </p:sld>
 </file>
 
-<file path=ppt/slides/slide17.xml><?xml version="1.0" encoding="utf-8"?>
+<file path=ppt/slides/slide18.xml><?xml version="1.0" encoding="utf-8"?>
 <p:sld xmlns:a="http://schemas.openxmlformats.org/drawingml/2006/main" xmlns:r="http://schemas.openxmlformats.org/officeDocument/2006/relationships" xmlns:p="http://schemas.openxmlformats.org/presentationml/2006/main">
   <p:cSld>
     <p:bg>
@@ -10831,6 +13019,148 @@
         <p:cNvGrpSpPr/>
         <p:nvPr/>
       </p:nvGrpSpPr>
+      <p:grpSpPr/>
+      <p:sp>
+        <p:nvSpPr>
+          <p:cNvPr id="5" name="矩形 4"/>
+          <p:cNvSpPr/>
+          <p:nvPr/>
+        </p:nvSpPr>
+        <p:spPr>
+          <a:xfrm>
+            <a:off x="658813" y="316689"/>
+            <a:ext cx="2033782" cy="377825"/>
+          </a:xfrm>
+          <a:prstGeom prst="rect">
+            <a:avLst/>
+          </a:prstGeom>
+          <a:solidFill>
+            <a:srgbClr val="295D83"/>
+          </a:solidFill>
+          <a:ln>
+            <a:noFill/>
+          </a:ln>
+        </p:spPr>
+        <p:style>
+          <a:lnRef idx="2">
+            <a:schemeClr val="accent1">
+              <a:shade val="50000"/>
+            </a:schemeClr>
+          </a:lnRef>
+          <a:fillRef idx="1">
+            <a:schemeClr val="accent1"/>
+          </a:fillRef>
+          <a:effectRef idx="0">
+            <a:schemeClr val="accent1"/>
+          </a:effectRef>
+          <a:fontRef idx="minor">
+            <a:schemeClr val="lt1"/>
+          </a:fontRef>
+        </p:style>
+        <p:txBody>
+          <a:bodyPr rtlCol="0" anchor="ctr"/>
+          <a:p>
+            <a:pPr algn="ctr"/>
+            <a:r>
+              <a:rPr lang="zh-CN" altLang="en-US"/>
+              <a:t>用况图</a:t>
+            </a:r>
+            <a:endParaRPr lang="zh-CN" altLang="en-US"/>
+          </a:p>
+        </p:txBody>
+      </p:sp>
+      <p:sp>
+        <p:nvSpPr>
+          <p:cNvPr id="6" name="椭圆 5"/>
+          <p:cNvSpPr/>
+          <p:nvPr/>
+        </p:nvSpPr>
+        <p:spPr>
+          <a:xfrm>
+            <a:off x="136583" y="150988"/>
+            <a:ext cx="778366" cy="710214"/>
+          </a:xfrm>
+          <a:prstGeom prst="ellipse">
+            <a:avLst/>
+          </a:prstGeom>
+          <a:solidFill>
+            <a:srgbClr val="D2B08E"/>
+          </a:solidFill>
+          <a:ln w="76200">
+            <a:solidFill>
+              <a:schemeClr val="bg1"/>
+            </a:solidFill>
+          </a:ln>
+        </p:spPr>
+        <p:style>
+          <a:lnRef idx="2">
+            <a:schemeClr val="accent1">
+              <a:shade val="50000"/>
+            </a:schemeClr>
+          </a:lnRef>
+          <a:fillRef idx="1">
+            <a:schemeClr val="accent1"/>
+          </a:fillRef>
+          <a:effectRef idx="0">
+            <a:schemeClr val="accent1"/>
+          </a:effectRef>
+          <a:fontRef idx="minor">
+            <a:schemeClr val="lt1"/>
+          </a:fontRef>
+        </p:style>
+        <p:txBody>
+          <a:bodyPr rtlCol="0" anchor="ctr"/>
+          <a:p>
+            <a:pPr algn="ctr"/>
+            <a:endParaRPr lang="zh-CN" altLang="en-US">
+              <a:solidFill>
+                <a:schemeClr val="bg1"/>
+              </a:solidFill>
+            </a:endParaRPr>
+          </a:p>
+        </p:txBody>
+      </p:sp>
+      <p:pic>
+        <p:nvPicPr>
+          <p:cNvPr id="7" name="图片 6" descr="用况图"/>
+          <p:cNvPicPr>
+            <a:picLocks noChangeAspect="1"/>
+          </p:cNvPicPr>
+          <p:nvPr/>
+        </p:nvPicPr>
+        <p:blipFill>
+          <a:blip r:embed="rId1"/>
+          <a:stretch>
+            <a:fillRect/>
+          </a:stretch>
+        </p:blipFill>
+        <p:spPr>
+          <a:xfrm>
+            <a:off x="2692400" y="495300"/>
+            <a:ext cx="9501505" cy="6249670"/>
+          </a:xfrm>
+          <a:prstGeom prst="rect">
+            <a:avLst/>
+          </a:prstGeom>
+        </p:spPr>
+      </p:pic>
+    </p:spTree>
+  </p:cSld>
+  <p:clrMapOvr>
+    <a:masterClrMapping/>
+  </p:clrMapOvr>
+</p:sld>
+</file>
+
+<file path=ppt/slides/slide5.xml><?xml version="1.0" encoding="utf-8"?>
+<p:sld xmlns:a="http://schemas.openxmlformats.org/drawingml/2006/main" xmlns:r="http://schemas.openxmlformats.org/officeDocument/2006/relationships" xmlns:p="http://schemas.openxmlformats.org/presentationml/2006/main">
+  <p:cSld>
+    <p:spTree>
+      <p:nvGrpSpPr>
+        <p:cNvPr id="1" name=""/>
+        <p:cNvGrpSpPr/>
+        <p:nvPr/>
+      </p:nvGrpSpPr>
       <p:grpSpPr>
         <a:xfrm>
           <a:off x="0" y="0"/>
@@ -12744,7 +15074,7 @@
 </p:sld>
 </file>
 
-<file path=ppt/slides/slide5.xml><?xml version="1.0" encoding="utf-8"?>
+<file path=ppt/slides/slide6.xml><?xml version="1.0" encoding="utf-8"?>
 <p:sld xmlns:a="http://schemas.openxmlformats.org/drawingml/2006/main" xmlns:r="http://schemas.openxmlformats.org/officeDocument/2006/relationships" xmlns:p="http://schemas.openxmlformats.org/presentationml/2006/main">
   <p:cSld>
     <p:spTree>
@@ -15054,7 +17384,7 @@
 </p:sld>
 </file>
 
-<file path=ppt/slides/slide6.xml><?xml version="1.0" encoding="utf-8"?>
+<file path=ppt/slides/slide7.xml><?xml version="1.0" encoding="utf-8"?>
 <p:sld xmlns:a="http://schemas.openxmlformats.org/drawingml/2006/main" xmlns:r="http://schemas.openxmlformats.org/officeDocument/2006/relationships" xmlns:p="http://schemas.openxmlformats.org/presentationml/2006/main">
   <p:cSld>
     <p:spTree>
@@ -17017,7 +19347,7 @@
 </p:sld>
 </file>
 
-<file path=ppt/slides/slide7.xml><?xml version="1.0" encoding="utf-8"?>
+<file path=ppt/slides/slide8.xml><?xml version="1.0" encoding="utf-8"?>
 <p:sld xmlns:a="http://schemas.openxmlformats.org/drawingml/2006/main" xmlns:r="http://schemas.openxmlformats.org/officeDocument/2006/relationships" xmlns:p="http://schemas.openxmlformats.org/presentationml/2006/main">
   <p:cSld>
     <p:spTree>
@@ -19470,7 +21800,7 @@
 </p:sld>
 </file>
 
-<file path=ppt/slides/slide8.xml><?xml version="1.0" encoding="utf-8"?>
+<file path=ppt/slides/slide9.xml><?xml version="1.0" encoding="utf-8"?>
 <p:sld xmlns:a="http://schemas.openxmlformats.org/drawingml/2006/main" xmlns:r="http://schemas.openxmlformats.org/officeDocument/2006/relationships" xmlns:p="http://schemas.openxmlformats.org/presentationml/2006/main">
   <p:cSld>
     <p:bg>
@@ -19583,2193 +21913,6 @@
               </a:solidFill>
               <a:latin typeface="Hero" panose="02000506000000020004" pitchFamily="50" charset="0"/>
             </a:endParaRPr>
-          </a:p>
-        </p:txBody>
-      </p:sp>
-    </p:spTree>
-  </p:cSld>
-  <p:clrMapOvr>
-    <a:masterClrMapping/>
-  </p:clrMapOvr>
-</p:sld>
-</file>
-
-<file path=ppt/slides/slide9.xml><?xml version="1.0" encoding="utf-8"?>
-<p:sld xmlns:a="http://schemas.openxmlformats.org/drawingml/2006/main" xmlns:r="http://schemas.openxmlformats.org/officeDocument/2006/relationships" xmlns:p="http://schemas.openxmlformats.org/presentationml/2006/main">
-  <p:cSld>
-    <p:spTree>
-      <p:nvGrpSpPr>
-        <p:cNvPr id="1" name=""/>
-        <p:cNvGrpSpPr/>
-        <p:nvPr/>
-      </p:nvGrpSpPr>
-      <p:grpSpPr>
-        <a:xfrm>
-          <a:off x="0" y="0"/>
-          <a:ext cx="0" cy="0"/>
-          <a:chOff x="0" y="0"/>
-          <a:chExt cx="0" cy="0"/>
-        </a:xfrm>
-      </p:grpSpPr>
-      <p:sp>
-        <p:nvSpPr>
-          <p:cNvPr id="4" name="矩形 3"/>
-          <p:cNvSpPr/>
-          <p:nvPr/>
-        </p:nvSpPr>
-        <p:spPr>
-          <a:xfrm>
-            <a:off x="658813" y="316689"/>
-            <a:ext cx="2033782" cy="377825"/>
-          </a:xfrm>
-          <a:prstGeom prst="rect">
-            <a:avLst/>
-          </a:prstGeom>
-          <a:solidFill>
-            <a:srgbClr val="295D83"/>
-          </a:solidFill>
-          <a:ln>
-            <a:noFill/>
-          </a:ln>
-        </p:spPr>
-        <p:style>
-          <a:lnRef idx="2">
-            <a:schemeClr val="accent1">
-              <a:shade val="50000"/>
-            </a:schemeClr>
-          </a:lnRef>
-          <a:fillRef idx="1">
-            <a:schemeClr val="accent1"/>
-          </a:fillRef>
-          <a:effectRef idx="0">
-            <a:schemeClr val="accent1"/>
-          </a:effectRef>
-          <a:fontRef idx="minor">
-            <a:schemeClr val="lt1"/>
-          </a:fontRef>
-        </p:style>
-        <p:txBody>
-          <a:bodyPr rtlCol="0" anchor="ctr"/>
-          <a:lstStyle/>
-          <a:p>
-            <a:pPr algn="ctr"/>
-            <a:r>
-              <a:rPr lang="zh-CN" altLang="en-US"/>
-              <a:t>人机交互</a:t>
-            </a:r>
-            <a:endParaRPr lang="zh-CN" altLang="en-US"/>
-          </a:p>
-        </p:txBody>
-      </p:sp>
-      <p:sp>
-        <p:nvSpPr>
-          <p:cNvPr id="5" name="椭圆 4"/>
-          <p:cNvSpPr/>
-          <p:nvPr/>
-        </p:nvSpPr>
-        <p:spPr>
-          <a:xfrm>
-            <a:off x="125153" y="126223"/>
-            <a:ext cx="778366" cy="710214"/>
-          </a:xfrm>
-          <a:prstGeom prst="ellipse">
-            <a:avLst/>
-          </a:prstGeom>
-          <a:solidFill>
-            <a:srgbClr val="D2B08E"/>
-          </a:solidFill>
-          <a:ln w="76200">
-            <a:solidFill>
-              <a:schemeClr val="bg1"/>
-            </a:solidFill>
-          </a:ln>
-        </p:spPr>
-        <p:style>
-          <a:lnRef idx="2">
-            <a:schemeClr val="accent1">
-              <a:shade val="50000"/>
-            </a:schemeClr>
-          </a:lnRef>
-          <a:fillRef idx="1">
-            <a:schemeClr val="accent1"/>
-          </a:fillRef>
-          <a:effectRef idx="0">
-            <a:schemeClr val="accent1"/>
-          </a:effectRef>
-          <a:fontRef idx="minor">
-            <a:schemeClr val="lt1"/>
-          </a:fontRef>
-        </p:style>
-        <p:txBody>
-          <a:bodyPr rtlCol="0" anchor="ctr"/>
-          <a:lstStyle/>
-          <a:p>
-            <a:pPr algn="ctr"/>
-            <a:endParaRPr lang="zh-CN" altLang="en-US">
-              <a:solidFill>
-                <a:schemeClr val="bg1"/>
-              </a:solidFill>
-            </a:endParaRPr>
-          </a:p>
-        </p:txBody>
-      </p:sp>
-      <p:sp>
-        <p:nvSpPr>
-          <p:cNvPr id="6" name="矩形 5"/>
-          <p:cNvSpPr/>
-          <p:nvPr/>
-        </p:nvSpPr>
-        <p:spPr>
-          <a:xfrm>
-            <a:off x="9221737" y="4675766"/>
-            <a:ext cx="2197467" cy="1968961"/>
-          </a:xfrm>
-          <a:prstGeom prst="rect">
-            <a:avLst/>
-          </a:prstGeom>
-          <a:solidFill>
-            <a:schemeClr val="bg1"/>
-          </a:solidFill>
-          <a:ln w="28575">
-            <a:solidFill>
-              <a:srgbClr val="FF0000"/>
-            </a:solidFill>
-          </a:ln>
-        </p:spPr>
-        <p:style>
-          <a:lnRef idx="2">
-            <a:schemeClr val="accent1">
-              <a:shade val="15000"/>
-            </a:schemeClr>
-          </a:lnRef>
-          <a:fillRef idx="1">
-            <a:schemeClr val="accent1"/>
-          </a:fillRef>
-          <a:effectRef idx="0">
-            <a:schemeClr val="accent1"/>
-          </a:effectRef>
-          <a:fontRef idx="minor">
-            <a:schemeClr val="lt1"/>
-          </a:fontRef>
-        </p:style>
-        <p:txBody>
-          <a:bodyPr rtlCol="0" anchor="ctr"/>
-          <a:lstStyle/>
-          <a:p>
-            <a:pPr algn="ctr"/>
-            <a:endParaRPr lang="zh-CN" altLang="en-US"/>
-          </a:p>
-        </p:txBody>
-      </p:sp>
-      <p:sp>
-        <p:nvSpPr>
-          <p:cNvPr id="7" name="矩形 6"/>
-          <p:cNvSpPr/>
-          <p:nvPr/>
-        </p:nvSpPr>
-        <p:spPr>
-          <a:xfrm>
-            <a:off x="2332401" y="4574927"/>
-            <a:ext cx="2904946" cy="1968961"/>
-          </a:xfrm>
-          <a:prstGeom prst="rect">
-            <a:avLst/>
-          </a:prstGeom>
-          <a:solidFill>
-            <a:schemeClr val="bg1"/>
-          </a:solidFill>
-          <a:ln w="28575">
-            <a:solidFill>
-              <a:srgbClr val="FF0000"/>
-            </a:solidFill>
-          </a:ln>
-        </p:spPr>
-        <p:style>
-          <a:lnRef idx="2">
-            <a:schemeClr val="accent1">
-              <a:shade val="15000"/>
-            </a:schemeClr>
-          </a:lnRef>
-          <a:fillRef idx="1">
-            <a:schemeClr val="accent1"/>
-          </a:fillRef>
-          <a:effectRef idx="0">
-            <a:schemeClr val="accent1"/>
-          </a:effectRef>
-          <a:fontRef idx="minor">
-            <a:schemeClr val="lt1"/>
-          </a:fontRef>
-        </p:style>
-        <p:txBody>
-          <a:bodyPr rtlCol="0" anchor="ctr"/>
-          <a:lstStyle/>
-          <a:p>
-            <a:pPr algn="ctr"/>
-            <a:endParaRPr lang="zh-CN" altLang="en-US"/>
-          </a:p>
-        </p:txBody>
-      </p:sp>
-      <p:sp>
-        <p:nvSpPr>
-          <p:cNvPr id="8" name="矩形 7"/>
-          <p:cNvSpPr/>
-          <p:nvPr/>
-        </p:nvSpPr>
-        <p:spPr>
-          <a:xfrm>
-            <a:off x="2687830" y="62145"/>
-            <a:ext cx="9110594" cy="2039531"/>
-          </a:xfrm>
-          <a:prstGeom prst="rect">
-            <a:avLst/>
-          </a:prstGeom>
-          <a:solidFill>
-            <a:schemeClr val="bg1"/>
-          </a:solidFill>
-          <a:ln w="28575">
-            <a:solidFill>
-              <a:srgbClr val="FF0000"/>
-            </a:solidFill>
-          </a:ln>
-        </p:spPr>
-        <p:style>
-          <a:lnRef idx="2">
-            <a:schemeClr val="accent1">
-              <a:shade val="15000"/>
-            </a:schemeClr>
-          </a:lnRef>
-          <a:fillRef idx="1">
-            <a:schemeClr val="accent1"/>
-          </a:fillRef>
-          <a:effectRef idx="0">
-            <a:schemeClr val="accent1"/>
-          </a:effectRef>
-          <a:fontRef idx="minor">
-            <a:schemeClr val="lt1"/>
-          </a:fontRef>
-        </p:style>
-        <p:txBody>
-          <a:bodyPr rtlCol="0" anchor="ctr"/>
-          <a:lstStyle/>
-          <a:p>
-            <a:pPr algn="ctr"/>
-            <a:endParaRPr lang="zh-CN" altLang="en-US"/>
-          </a:p>
-        </p:txBody>
-      </p:sp>
-      <p:grpSp>
-        <p:nvGrpSpPr>
-          <p:cNvPr id="10" name="组合 9"/>
-          <p:cNvGrpSpPr/>
-          <p:nvPr/>
-        </p:nvGrpSpPr>
-        <p:grpSpPr>
-          <a:xfrm>
-            <a:off x="3282735" y="2746621"/>
-            <a:ext cx="8054050" cy="3619685"/>
-            <a:chOff x="841375" y="819150"/>
-            <a:chExt cx="10853420" cy="5675630"/>
-          </a:xfrm>
-        </p:grpSpPr>
-        <p:sp>
-          <p:nvSpPr>
-            <p:cNvPr id="11" name="Rectangles 3"/>
-            <p:cNvSpPr/>
-            <p:nvPr/>
-          </p:nvSpPr>
-          <p:spPr>
-            <a:xfrm>
-              <a:off x="841375" y="819150"/>
-              <a:ext cx="1430020" cy="2349500"/>
-            </a:xfrm>
-            <a:prstGeom prst="rect">
-              <a:avLst/>
-            </a:prstGeom>
-          </p:spPr>
-          <p:style>
-            <a:lnRef idx="2">
-              <a:schemeClr val="accent1">
-                <a:lumMod val="75000"/>
-              </a:schemeClr>
-            </a:lnRef>
-            <a:fillRef idx="1">
-              <a:schemeClr val="accent1"/>
-            </a:fillRef>
-            <a:effectRef idx="0">
-              <a:srgbClr val="FFFFFF"/>
-            </a:effectRef>
-            <a:fontRef idx="minor">
-              <a:schemeClr val="lt1"/>
-            </a:fontRef>
-          </p:style>
-          <p:txBody>
-            <a:bodyPr rtlCol="0" anchor="ctr"/>
-            <a:lstStyle/>
-            <a:p>
-              <a:pPr algn="ctr"/>
-              <a:r>
-                <a:rPr lang="zh-CN" sz="1100"/>
-                <a:t>楼</a:t>
-              </a:r>
-              <a:endParaRPr lang="zh-CN" sz="1100"/>
-            </a:p>
-            <a:p>
-              <a:pPr algn="ctr"/>
-              <a:r>
-                <a:rPr lang="en-US" altLang="zh-CN" sz="1100"/>
-                <a:t>——————</a:t>
-              </a:r>
-              <a:endParaRPr lang="en-US" altLang="zh-CN" sz="1100"/>
-            </a:p>
-            <a:p>
-              <a:pPr algn="ctr"/>
-              <a:r>
-                <a:rPr lang="zh-CN" altLang="en-US" sz="1100"/>
-                <a:t>楼号</a:t>
-              </a:r>
-              <a:endParaRPr lang="zh-CN" altLang="en-US" sz="1100"/>
-            </a:p>
-            <a:p>
-              <a:pPr algn="ctr"/>
-              <a:r>
-                <a:rPr lang="zh-CN" altLang="en-US" sz="1100"/>
-                <a:t>楼名称</a:t>
-              </a:r>
-              <a:endParaRPr lang="zh-CN" altLang="en-US" sz="1100"/>
-            </a:p>
-            <a:p>
-              <a:pPr algn="ctr"/>
-              <a:r>
-                <a:rPr lang="en-US" altLang="zh-CN" sz="1100"/>
-                <a:t>——————</a:t>
-              </a:r>
-              <a:endParaRPr lang="en-US" altLang="zh-CN" sz="1100"/>
-            </a:p>
-            <a:p>
-              <a:pPr algn="ctr"/>
-              <a:r>
-                <a:rPr lang="zh-CN" altLang="en-US" sz="1100"/>
-                <a:t>进入楼</a:t>
-              </a:r>
-              <a:endParaRPr lang="zh-CN" altLang="en-US" sz="1100"/>
-            </a:p>
-            <a:p>
-              <a:pPr algn="ctr"/>
-              <a:r>
-                <a:rPr lang="zh-CN" altLang="en-US" sz="1100"/>
-                <a:t>离开楼</a:t>
-              </a:r>
-              <a:endParaRPr lang="zh-CN" altLang="en-US" sz="1100"/>
-            </a:p>
-          </p:txBody>
-        </p:sp>
-        <p:sp>
-          <p:nvSpPr>
-            <p:cNvPr id="12" name="Rectangles 4"/>
-            <p:cNvSpPr/>
-            <p:nvPr/>
-          </p:nvSpPr>
-          <p:spPr>
-            <a:xfrm>
-              <a:off x="3835400" y="819150"/>
-              <a:ext cx="1430020" cy="2349500"/>
-            </a:xfrm>
-            <a:prstGeom prst="rect">
-              <a:avLst/>
-            </a:prstGeom>
-          </p:spPr>
-          <p:style>
-            <a:lnRef idx="2">
-              <a:schemeClr val="accent1">
-                <a:lumMod val="75000"/>
-              </a:schemeClr>
-            </a:lnRef>
-            <a:fillRef idx="1">
-              <a:schemeClr val="accent1"/>
-            </a:fillRef>
-            <a:effectRef idx="0">
-              <a:srgbClr val="FFFFFF"/>
-            </a:effectRef>
-            <a:fontRef idx="minor">
-              <a:schemeClr val="lt1"/>
-            </a:fontRef>
-          </p:style>
-          <p:txBody>
-            <a:bodyPr rtlCol="0" anchor="ctr"/>
-            <a:lstStyle/>
-            <a:p>
-              <a:pPr algn="ctr"/>
-              <a:r>
-                <a:rPr lang="zh-CN" sz="1100"/>
-                <a:t>教室</a:t>
-              </a:r>
-              <a:endParaRPr lang="zh-CN" sz="1100"/>
-            </a:p>
-            <a:p>
-              <a:pPr algn="ctr"/>
-              <a:r>
-                <a:rPr lang="en-US" altLang="zh-CN" sz="1100"/>
-                <a:t>——————</a:t>
-              </a:r>
-              <a:endParaRPr lang="en-US" altLang="zh-CN" sz="1100"/>
-            </a:p>
-            <a:p>
-              <a:pPr algn="ctr"/>
-              <a:r>
-                <a:rPr lang="zh-CN" altLang="en-US" sz="1100"/>
-                <a:t>教室号</a:t>
-              </a:r>
-              <a:endParaRPr lang="zh-CN" altLang="en-US" sz="1100"/>
-            </a:p>
-            <a:p>
-              <a:pPr algn="ctr"/>
-              <a:r>
-                <a:rPr lang="zh-CN" altLang="en-US" sz="1100">
-                  <a:sym typeface="+mn-ea"/>
-                </a:rPr>
-                <a:t>教室</a:t>
-              </a:r>
-              <a:r>
-                <a:rPr lang="zh-CN" altLang="en-US" sz="1100"/>
-                <a:t>名称</a:t>
-              </a:r>
-              <a:endParaRPr lang="zh-CN" altLang="en-US" sz="1100"/>
-            </a:p>
-            <a:p>
-              <a:pPr algn="ctr"/>
-              <a:r>
-                <a:rPr lang="en-US" altLang="zh-CN" sz="1100"/>
-                <a:t>——————</a:t>
-              </a:r>
-              <a:endParaRPr lang="en-US" altLang="zh-CN" sz="1100"/>
-            </a:p>
-            <a:p>
-              <a:pPr algn="ctr"/>
-              <a:r>
-                <a:rPr lang="zh-CN" altLang="en-US" sz="1100"/>
-                <a:t>进入</a:t>
-              </a:r>
-              <a:r>
-                <a:rPr lang="zh-CN" altLang="en-US" sz="1100">
-                  <a:sym typeface="+mn-ea"/>
-                </a:rPr>
-                <a:t>教室</a:t>
-              </a:r>
-              <a:endParaRPr lang="zh-CN" altLang="en-US" sz="1100"/>
-            </a:p>
-            <a:p>
-              <a:pPr algn="ctr"/>
-              <a:r>
-                <a:rPr lang="zh-CN" altLang="en-US" sz="1100"/>
-                <a:t>离开</a:t>
-              </a:r>
-              <a:r>
-                <a:rPr lang="zh-CN" altLang="en-US" sz="1100">
-                  <a:sym typeface="+mn-ea"/>
-                </a:rPr>
-                <a:t>教室</a:t>
-              </a:r>
-              <a:endParaRPr lang="zh-CN" altLang="en-US" sz="1100">
-                <a:sym typeface="+mn-ea"/>
-              </a:endParaRPr>
-            </a:p>
-            <a:p>
-              <a:pPr algn="ctr"/>
-              <a:r>
-                <a:rPr lang="zh-CN" altLang="en-US" sz="1100"/>
-                <a:t>进入讨论板</a:t>
-              </a:r>
-              <a:endParaRPr lang="zh-CN" altLang="en-US" sz="1100"/>
-            </a:p>
-          </p:txBody>
-        </p:sp>
-        <p:sp>
-          <p:nvSpPr>
-            <p:cNvPr id="13" name="Rectangles 5"/>
-            <p:cNvSpPr/>
-            <p:nvPr/>
-          </p:nvSpPr>
-          <p:spPr>
-            <a:xfrm>
-              <a:off x="6829425" y="819150"/>
-              <a:ext cx="1430020" cy="2349500"/>
-            </a:xfrm>
-            <a:prstGeom prst="rect">
-              <a:avLst/>
-            </a:prstGeom>
-          </p:spPr>
-          <p:style>
-            <a:lnRef idx="2">
-              <a:schemeClr val="accent1">
-                <a:lumMod val="75000"/>
-              </a:schemeClr>
-            </a:lnRef>
-            <a:fillRef idx="1">
-              <a:schemeClr val="accent1"/>
-            </a:fillRef>
-            <a:effectRef idx="0">
-              <a:srgbClr val="FFFFFF"/>
-            </a:effectRef>
-            <a:fontRef idx="minor">
-              <a:schemeClr val="lt1"/>
-            </a:fontRef>
-          </p:style>
-          <p:txBody>
-            <a:bodyPr rtlCol="0" anchor="ctr"/>
-            <a:lstStyle/>
-            <a:p>
-              <a:pPr algn="ctr"/>
-              <a:r>
-                <a:rPr lang="zh-CN" sz="1100"/>
-                <a:t>座位</a:t>
-              </a:r>
-              <a:endParaRPr lang="zh-CN" sz="1100"/>
-            </a:p>
-            <a:p>
-              <a:pPr algn="ctr"/>
-              <a:r>
-                <a:rPr lang="en-US" altLang="zh-CN" sz="1100"/>
-                <a:t>——————</a:t>
-              </a:r>
-              <a:endParaRPr lang="en-US" altLang="zh-CN" sz="1100"/>
-            </a:p>
-            <a:p>
-              <a:pPr algn="ctr"/>
-              <a:r>
-                <a:rPr lang="zh-CN" altLang="en-US" sz="1100"/>
-                <a:t>座位号</a:t>
-              </a:r>
-              <a:endParaRPr lang="zh-CN" altLang="en-US" sz="1100"/>
-            </a:p>
-            <a:p>
-              <a:pPr algn="ctr"/>
-              <a:endParaRPr lang="zh-CN" altLang="en-US" sz="1100"/>
-            </a:p>
-            <a:p>
-              <a:pPr algn="ctr"/>
-              <a:r>
-                <a:rPr lang="en-US" altLang="zh-CN" sz="1100"/>
-                <a:t>——————</a:t>
-              </a:r>
-              <a:endParaRPr lang="en-US" altLang="zh-CN" sz="1100"/>
-            </a:p>
-            <a:p>
-              <a:pPr algn="ctr"/>
-              <a:r>
-                <a:rPr lang="zh-CN" altLang="en-US" sz="1100"/>
-                <a:t>座位入座</a:t>
-              </a:r>
-              <a:endParaRPr lang="zh-CN" altLang="en-US" sz="1100"/>
-            </a:p>
-            <a:p>
-              <a:pPr algn="ctr"/>
-              <a:r>
-                <a:rPr lang="zh-CN" altLang="en-US" sz="1100"/>
-                <a:t>离开</a:t>
-              </a:r>
-              <a:r>
-                <a:rPr lang="zh-CN" altLang="en-US" sz="1100">
-                  <a:sym typeface="+mn-ea"/>
-                </a:rPr>
-                <a:t>座位</a:t>
-              </a:r>
-              <a:endParaRPr lang="zh-CN" altLang="en-US" sz="1100"/>
-            </a:p>
-          </p:txBody>
-        </p:sp>
-        <p:sp>
-          <p:nvSpPr>
-            <p:cNvPr id="14" name="Rectangles 6"/>
-            <p:cNvSpPr/>
-            <p:nvPr/>
-          </p:nvSpPr>
-          <p:spPr>
-            <a:xfrm>
-              <a:off x="9596120" y="819150"/>
-              <a:ext cx="2098675" cy="2540000"/>
-            </a:xfrm>
-            <a:prstGeom prst="rect">
-              <a:avLst/>
-            </a:prstGeom>
-          </p:spPr>
-          <p:style>
-            <a:lnRef idx="2">
-              <a:schemeClr val="accent1">
-                <a:lumMod val="75000"/>
-              </a:schemeClr>
-            </a:lnRef>
-            <a:fillRef idx="1">
-              <a:schemeClr val="accent1"/>
-            </a:fillRef>
-            <a:effectRef idx="0">
-              <a:srgbClr val="FFFFFF"/>
-            </a:effectRef>
-            <a:fontRef idx="minor">
-              <a:schemeClr val="lt1"/>
-            </a:fontRef>
-          </p:style>
-          <p:txBody>
-            <a:bodyPr rtlCol="0" anchor="ctr"/>
-            <a:lstStyle/>
-            <a:p>
-              <a:pPr algn="ctr"/>
-              <a:r>
-                <a:rPr lang="zh-CN" sz="1100"/>
-                <a:t>学习计划</a:t>
-              </a:r>
-              <a:endParaRPr lang="zh-CN" sz="1100"/>
-            </a:p>
-            <a:p>
-              <a:pPr algn="ctr"/>
-              <a:r>
-                <a:rPr lang="en-US" altLang="zh-CN" sz="1100"/>
-                <a:t>————————</a:t>
-              </a:r>
-              <a:endParaRPr lang="en-US" altLang="zh-CN" sz="1100"/>
-            </a:p>
-            <a:p>
-              <a:pPr algn="ctr"/>
-              <a:r>
-                <a:rPr lang="zh-CN" altLang="en-US" sz="1100"/>
-                <a:t>自习时间</a:t>
-              </a:r>
-              <a:endParaRPr lang="zh-CN" altLang="en-US" sz="1100"/>
-            </a:p>
-            <a:p>
-              <a:pPr algn="ctr"/>
-              <a:r>
-                <a:rPr lang="zh-CN" altLang="en-US" sz="1100"/>
-                <a:t>休息时间</a:t>
-              </a:r>
-              <a:endParaRPr lang="zh-CN" altLang="en-US" sz="1100"/>
-            </a:p>
-            <a:p>
-              <a:pPr algn="ctr"/>
-              <a:r>
-                <a:rPr lang="zh-CN" altLang="en-US" sz="1100"/>
-                <a:t>周期数</a:t>
-              </a:r>
-              <a:endParaRPr lang="zh-CN" altLang="en-US" sz="1100"/>
-            </a:p>
-            <a:p>
-              <a:pPr algn="ctr"/>
-              <a:r>
-                <a:rPr lang="en-US" altLang="zh-CN" sz="1100"/>
-                <a:t>—————————</a:t>
-              </a:r>
-              <a:endParaRPr lang="en-US" altLang="zh-CN" sz="1100"/>
-            </a:p>
-            <a:p>
-              <a:pPr algn="ctr"/>
-              <a:r>
-                <a:rPr lang="zh-CN" altLang="en-US" sz="1100"/>
-                <a:t>设置计划信息</a:t>
-              </a:r>
-              <a:endParaRPr lang="zh-CN" altLang="en-US" sz="1100"/>
-            </a:p>
-            <a:p>
-              <a:pPr algn="ctr"/>
-              <a:r>
-                <a:rPr lang="zh-CN" altLang="en-US" sz="1100"/>
-                <a:t>开始自习</a:t>
-              </a:r>
-              <a:endParaRPr lang="zh-CN" altLang="en-US" sz="1100"/>
-            </a:p>
-            <a:p>
-              <a:pPr algn="ctr"/>
-              <a:r>
-                <a:rPr lang="zh-CN" altLang="en-US" sz="1100"/>
-                <a:t>结束自习</a:t>
-              </a:r>
-              <a:endParaRPr lang="zh-CN" altLang="en-US" sz="1100"/>
-            </a:p>
-          </p:txBody>
-        </p:sp>
-        <p:sp>
-          <p:nvSpPr>
-            <p:cNvPr id="15" name="Rectangles 7"/>
-            <p:cNvSpPr/>
-            <p:nvPr/>
-          </p:nvSpPr>
-          <p:spPr>
-            <a:xfrm>
-              <a:off x="3835400" y="4135120"/>
-              <a:ext cx="1430020" cy="2359660"/>
-            </a:xfrm>
-            <a:prstGeom prst="rect">
-              <a:avLst/>
-            </a:prstGeom>
-          </p:spPr>
-          <p:style>
-            <a:lnRef idx="2">
-              <a:schemeClr val="accent1">
-                <a:lumMod val="75000"/>
-              </a:schemeClr>
-            </a:lnRef>
-            <a:fillRef idx="1">
-              <a:schemeClr val="accent1"/>
-            </a:fillRef>
-            <a:effectRef idx="0">
-              <a:srgbClr val="FFFFFF"/>
-            </a:effectRef>
-            <a:fontRef idx="minor">
-              <a:schemeClr val="lt1"/>
-            </a:fontRef>
-          </p:style>
-          <p:txBody>
-            <a:bodyPr rtlCol="0" anchor="ctr"/>
-            <a:lstStyle/>
-            <a:p>
-              <a:pPr algn="ctr"/>
-              <a:r>
-                <a:rPr lang="zh-CN" sz="1100"/>
-                <a:t>讨论板</a:t>
-              </a:r>
-              <a:endParaRPr lang="zh-CN" sz="1100"/>
-            </a:p>
-            <a:p>
-              <a:pPr algn="ctr"/>
-              <a:r>
-                <a:rPr lang="en-US" altLang="zh-CN" sz="1100"/>
-                <a:t>——————</a:t>
-              </a:r>
-              <a:endParaRPr lang="en-US" altLang="zh-CN" sz="1100"/>
-            </a:p>
-            <a:p>
-              <a:pPr algn="ctr"/>
-              <a:r>
-                <a:rPr lang="zh-CN" altLang="en-US" sz="1100"/>
-                <a:t>讨论板号</a:t>
-              </a:r>
-              <a:endParaRPr lang="zh-CN" altLang="en-US" sz="1100"/>
-            </a:p>
-            <a:p>
-              <a:pPr algn="ctr"/>
-              <a:r>
-                <a:rPr lang="en-US" altLang="zh-CN" sz="1100"/>
-                <a:t>——————</a:t>
-              </a:r>
-              <a:endParaRPr lang="en-US" altLang="zh-CN" sz="1100"/>
-            </a:p>
-            <a:p>
-              <a:pPr algn="ctr"/>
-              <a:r>
-                <a:rPr lang="zh-CN" altLang="en-US" sz="1100"/>
-                <a:t>搜索问题</a:t>
-              </a:r>
-              <a:endParaRPr lang="zh-CN" altLang="en-US" sz="1100"/>
-            </a:p>
-            <a:p>
-              <a:pPr algn="ctr"/>
-              <a:r>
-                <a:rPr lang="zh-CN" altLang="en-US" sz="1100"/>
-                <a:t>查看问题</a:t>
-              </a:r>
-              <a:endParaRPr lang="zh-CN" altLang="en-US" sz="1100"/>
-            </a:p>
-            <a:p>
-              <a:pPr algn="ctr"/>
-              <a:r>
-                <a:rPr lang="zh-CN" altLang="en-US" sz="1100"/>
-                <a:t>发布问题</a:t>
-              </a:r>
-              <a:endParaRPr lang="zh-CN" altLang="en-US" sz="1100"/>
-            </a:p>
-            <a:p>
-              <a:pPr algn="ctr"/>
-              <a:r>
-                <a:rPr lang="zh-CN" altLang="en-US" sz="1100"/>
-                <a:t>回答问题</a:t>
-              </a:r>
-              <a:endParaRPr lang="zh-CN" altLang="en-US" sz="1100"/>
-            </a:p>
-          </p:txBody>
-        </p:sp>
-        <p:grpSp>
-          <p:nvGrpSpPr>
-            <p:cNvPr id="16" name="Group 11"/>
-            <p:cNvGrpSpPr/>
-            <p:nvPr/>
-          </p:nvGrpSpPr>
-          <p:grpSpPr>
-            <a:xfrm>
-              <a:off x="2271395" y="1809115"/>
-              <a:ext cx="1579245" cy="120015"/>
-              <a:chOff x="13194" y="7713"/>
-              <a:chExt cx="2487" cy="189"/>
-            </a:xfrm>
-          </p:grpSpPr>
-          <p:cxnSp>
-            <p:nvCxnSpPr>
-              <p:cNvPr id="30" name="Straight Connector 8"/>
-              <p:cNvCxnSpPr/>
-              <p:nvPr/>
-            </p:nvCxnSpPr>
-            <p:spPr>
-              <a:xfrm flipV="1">
-                <a:off x="13464" y="7807"/>
-                <a:ext cx="2217" cy="1"/>
-              </a:xfrm>
-              <a:prstGeom prst="line">
-                <a:avLst/>
-              </a:prstGeom>
-            </p:spPr>
-            <p:style>
-              <a:lnRef idx="2">
-                <a:schemeClr val="accent1"/>
-              </a:lnRef>
-              <a:fillRef idx="0">
-                <a:srgbClr val="FFFFFF"/>
-              </a:fillRef>
-              <a:effectRef idx="0">
-                <a:srgbClr val="FFFFFF"/>
-              </a:effectRef>
-              <a:fontRef idx="minor">
-                <a:schemeClr val="tx1"/>
-              </a:fontRef>
-            </p:style>
-          </p:cxnSp>
-          <p:sp>
-            <p:nvSpPr>
-              <p:cNvPr id="31" name="Parallelogram 10"/>
-              <p:cNvSpPr/>
-              <p:nvPr/>
-            </p:nvSpPr>
-            <p:spPr>
-              <a:xfrm rot="2280000">
-                <a:off x="13194" y="7713"/>
-                <a:ext cx="237" cy="189"/>
-              </a:xfrm>
-              <a:prstGeom prst="parallelogram">
-                <a:avLst/>
-              </a:prstGeom>
-              <a:solidFill>
-                <a:schemeClr val="bg1"/>
-              </a:solidFill>
-            </p:spPr>
-            <p:style>
-              <a:lnRef idx="2">
-                <a:schemeClr val="accent1">
-                  <a:lumMod val="75000"/>
-                </a:schemeClr>
-              </a:lnRef>
-              <a:fillRef idx="1">
-                <a:schemeClr val="accent1"/>
-              </a:fillRef>
-              <a:effectRef idx="0">
-                <a:srgbClr val="FFFFFF"/>
-              </a:effectRef>
-              <a:fontRef idx="minor">
-                <a:schemeClr val="lt1"/>
-              </a:fontRef>
-            </p:style>
-            <p:txBody>
-              <a:bodyPr rtlCol="0" anchor="ctr"/>
-              <a:lstStyle/>
-              <a:p>
-                <a:pPr algn="ctr"/>
-                <a:endParaRPr lang="en-US"/>
-              </a:p>
-            </p:txBody>
-          </p:sp>
-        </p:grpSp>
-        <p:grpSp>
-          <p:nvGrpSpPr>
-            <p:cNvPr id="17" name="Group 12"/>
-            <p:cNvGrpSpPr/>
-            <p:nvPr/>
-          </p:nvGrpSpPr>
-          <p:grpSpPr>
-            <a:xfrm>
-              <a:off x="5265420" y="1809750"/>
-              <a:ext cx="1584325" cy="120015"/>
-              <a:chOff x="13194" y="7713"/>
-              <a:chExt cx="2495" cy="189"/>
-            </a:xfrm>
-          </p:grpSpPr>
-          <p:cxnSp>
-            <p:nvCxnSpPr>
-              <p:cNvPr id="28" name="Straight Connector 13"/>
-              <p:cNvCxnSpPr/>
-              <p:nvPr/>
-            </p:nvCxnSpPr>
-            <p:spPr>
-              <a:xfrm>
-                <a:off x="13464" y="7808"/>
-                <a:ext cx="2225" cy="14"/>
-              </a:xfrm>
-              <a:prstGeom prst="line">
-                <a:avLst/>
-              </a:prstGeom>
-            </p:spPr>
-            <p:style>
-              <a:lnRef idx="2">
-                <a:schemeClr val="accent1"/>
-              </a:lnRef>
-              <a:fillRef idx="0">
-                <a:srgbClr val="FFFFFF"/>
-              </a:fillRef>
-              <a:effectRef idx="0">
-                <a:srgbClr val="FFFFFF"/>
-              </a:effectRef>
-              <a:fontRef idx="minor">
-                <a:schemeClr val="tx1"/>
-              </a:fontRef>
-            </p:style>
-          </p:cxnSp>
-          <p:sp>
-            <p:nvSpPr>
-              <p:cNvPr id="29" name="Parallelogram 14"/>
-              <p:cNvSpPr/>
-              <p:nvPr/>
-            </p:nvSpPr>
-            <p:spPr>
-              <a:xfrm rot="2280000">
-                <a:off x="13194" y="7713"/>
-                <a:ext cx="237" cy="189"/>
-              </a:xfrm>
-              <a:prstGeom prst="parallelogram">
-                <a:avLst/>
-              </a:prstGeom>
-              <a:solidFill>
-                <a:schemeClr val="bg1"/>
-              </a:solidFill>
-            </p:spPr>
-            <p:style>
-              <a:lnRef idx="2">
-                <a:schemeClr val="accent1">
-                  <a:lumMod val="75000"/>
-                </a:schemeClr>
-              </a:lnRef>
-              <a:fillRef idx="1">
-                <a:schemeClr val="accent1"/>
-              </a:fillRef>
-              <a:effectRef idx="0">
-                <a:srgbClr val="FFFFFF"/>
-              </a:effectRef>
-              <a:fontRef idx="minor">
-                <a:schemeClr val="lt1"/>
-              </a:fontRef>
-            </p:style>
-            <p:txBody>
-              <a:bodyPr rtlCol="0" anchor="ctr"/>
-              <a:lstStyle/>
-              <a:p>
-                <a:pPr algn="ctr"/>
-                <a:endParaRPr lang="en-US"/>
-              </a:p>
-            </p:txBody>
-          </p:sp>
-        </p:grpSp>
-        <p:grpSp>
-          <p:nvGrpSpPr>
-            <p:cNvPr id="18" name="Group 15"/>
-            <p:cNvGrpSpPr/>
-            <p:nvPr/>
-          </p:nvGrpSpPr>
-          <p:grpSpPr>
-            <a:xfrm>
-              <a:off x="8273415" y="1776095"/>
-              <a:ext cx="1309370" cy="120015"/>
-              <a:chOff x="13194" y="7713"/>
-              <a:chExt cx="2062" cy="189"/>
-            </a:xfrm>
-          </p:grpSpPr>
-          <p:cxnSp>
-            <p:nvCxnSpPr>
-              <p:cNvPr id="26" name="Straight Connector 16"/>
-              <p:cNvCxnSpPr/>
-              <p:nvPr/>
-            </p:nvCxnSpPr>
-            <p:spPr>
-              <a:xfrm>
-                <a:off x="13464" y="7808"/>
-                <a:ext cx="1792" cy="14"/>
-              </a:xfrm>
-              <a:prstGeom prst="line">
-                <a:avLst/>
-              </a:prstGeom>
-            </p:spPr>
-            <p:style>
-              <a:lnRef idx="2">
-                <a:schemeClr val="accent1"/>
-              </a:lnRef>
-              <a:fillRef idx="0">
-                <a:srgbClr val="FFFFFF"/>
-              </a:fillRef>
-              <a:effectRef idx="0">
-                <a:srgbClr val="FFFFFF"/>
-              </a:effectRef>
-              <a:fontRef idx="minor">
-                <a:schemeClr val="tx1"/>
-              </a:fontRef>
-            </p:style>
-          </p:cxnSp>
-          <p:sp>
-            <p:nvSpPr>
-              <p:cNvPr id="27" name="Parallelogram 17"/>
-              <p:cNvSpPr/>
-              <p:nvPr/>
-            </p:nvSpPr>
-            <p:spPr>
-              <a:xfrm rot="2280000">
-                <a:off x="13194" y="7713"/>
-                <a:ext cx="237" cy="189"/>
-              </a:xfrm>
-              <a:prstGeom prst="parallelogram">
-                <a:avLst/>
-              </a:prstGeom>
-              <a:solidFill>
-                <a:schemeClr val="bg1"/>
-              </a:solidFill>
-            </p:spPr>
-            <p:style>
-              <a:lnRef idx="2">
-                <a:schemeClr val="accent1">
-                  <a:lumMod val="75000"/>
-                </a:schemeClr>
-              </a:lnRef>
-              <a:fillRef idx="1">
-                <a:schemeClr val="accent1"/>
-              </a:fillRef>
-              <a:effectRef idx="0">
-                <a:srgbClr val="FFFFFF"/>
-              </a:effectRef>
-              <a:fontRef idx="minor">
-                <a:schemeClr val="lt1"/>
-              </a:fontRef>
-            </p:style>
-            <p:txBody>
-              <a:bodyPr rtlCol="0" anchor="ctr"/>
-              <a:lstStyle/>
-              <a:p>
-                <a:pPr algn="ctr"/>
-                <a:endParaRPr lang="en-US"/>
-              </a:p>
-            </p:txBody>
-          </p:sp>
-        </p:grpSp>
-        <p:sp>
-          <p:nvSpPr>
-            <p:cNvPr id="19" name="Rectangles 21"/>
-            <p:cNvSpPr/>
-            <p:nvPr/>
-          </p:nvSpPr>
-          <p:spPr>
-            <a:xfrm>
-              <a:off x="6849745" y="4135120"/>
-              <a:ext cx="1430020" cy="2349500"/>
-            </a:xfrm>
-            <a:prstGeom prst="rect">
-              <a:avLst/>
-            </a:prstGeom>
-          </p:spPr>
-          <p:style>
-            <a:lnRef idx="2">
-              <a:schemeClr val="accent1">
-                <a:lumMod val="75000"/>
-              </a:schemeClr>
-            </a:lnRef>
-            <a:fillRef idx="1">
-              <a:schemeClr val="accent1"/>
-            </a:fillRef>
-            <a:effectRef idx="0">
-              <a:srgbClr val="FFFFFF"/>
-            </a:effectRef>
-            <a:fontRef idx="minor">
-              <a:schemeClr val="lt1"/>
-            </a:fontRef>
-          </p:style>
-          <p:txBody>
-            <a:bodyPr rtlCol="0" anchor="ctr"/>
-            <a:lstStyle/>
-            <a:p>
-              <a:pPr algn="ctr"/>
-              <a:r>
-                <a:rPr lang="zh-CN" sz="1100"/>
-                <a:t>用户</a:t>
-              </a:r>
-              <a:endParaRPr lang="zh-CN" sz="1100"/>
-            </a:p>
-            <a:p>
-              <a:pPr algn="ctr"/>
-              <a:r>
-                <a:rPr lang="en-US" altLang="zh-CN" sz="1100"/>
-                <a:t>——————</a:t>
-              </a:r>
-              <a:endParaRPr lang="en-US" altLang="zh-CN" sz="1100"/>
-            </a:p>
-            <a:p>
-              <a:pPr algn="ctr"/>
-              <a:r>
-                <a:rPr lang="zh-CN" altLang="en-US" sz="1100"/>
-                <a:t>用户号</a:t>
-              </a:r>
-              <a:endParaRPr lang="zh-CN" altLang="en-US" sz="1100"/>
-            </a:p>
-            <a:p>
-              <a:pPr algn="ctr"/>
-              <a:r>
-                <a:rPr lang="zh-CN" altLang="en-US" sz="1100"/>
-                <a:t>用户名称</a:t>
-              </a:r>
-              <a:endParaRPr lang="zh-CN" altLang="en-US" sz="1100"/>
-            </a:p>
-            <a:p>
-              <a:pPr algn="ctr"/>
-              <a:r>
-                <a:rPr lang="en-US" altLang="zh-CN" sz="1100"/>
-                <a:t>——————</a:t>
-              </a:r>
-              <a:endParaRPr lang="en-US" altLang="zh-CN" sz="1100"/>
-            </a:p>
-            <a:p>
-              <a:pPr algn="ctr"/>
-              <a:r>
-                <a:rPr lang="zh-CN" altLang="en-US" sz="1100"/>
-                <a:t>退出登录</a:t>
-              </a:r>
-              <a:endParaRPr lang="zh-CN" altLang="en-US" sz="1100"/>
-            </a:p>
-          </p:txBody>
-        </p:sp>
-        <p:cxnSp>
-          <p:nvCxnSpPr>
-            <p:cNvPr id="20" name="Straight Arrow Connector 22"/>
-            <p:cNvCxnSpPr/>
-            <p:nvPr/>
-          </p:nvCxnSpPr>
-          <p:spPr>
-            <a:xfrm flipH="1" flipV="1">
-              <a:off x="2281555" y="2998470"/>
-              <a:ext cx="4538345" cy="1249680"/>
-            </a:xfrm>
-            <a:prstGeom prst="straightConnector1">
-              <a:avLst/>
-            </a:prstGeom>
-            <a:ln w="6350" cap="flat" cmpd="sng" algn="ctr">
-              <a:solidFill>
-                <a:schemeClr val="accent1"/>
-              </a:solidFill>
-              <a:prstDash val="dash"/>
-              <a:miter lim="800000"/>
-              <a:tailEnd type="arrow" w="med" len="med"/>
-            </a:ln>
-          </p:spPr>
-          <p:style>
-            <a:lnRef idx="0">
-              <a:schemeClr val="accent1"/>
-            </a:lnRef>
-            <a:fillRef idx="0">
-              <a:srgbClr val="FFFFFF"/>
-            </a:fillRef>
-            <a:effectRef idx="0">
-              <a:srgbClr val="FFFFFF"/>
-            </a:effectRef>
-            <a:fontRef idx="minor">
-              <a:schemeClr val="tx1"/>
-            </a:fontRef>
-          </p:style>
-        </p:cxnSp>
-        <p:cxnSp>
-          <p:nvCxnSpPr>
-            <p:cNvPr id="21" name="Straight Arrow Connector 23"/>
-            <p:cNvCxnSpPr/>
-            <p:nvPr/>
-          </p:nvCxnSpPr>
-          <p:spPr>
-            <a:xfrm flipH="1" flipV="1">
-              <a:off x="5270500" y="2978785"/>
-              <a:ext cx="1639570" cy="1319530"/>
-            </a:xfrm>
-            <a:prstGeom prst="straightConnector1">
-              <a:avLst/>
-            </a:prstGeom>
-            <a:ln w="6350" cap="flat" cmpd="sng" algn="ctr">
-              <a:solidFill>
-                <a:schemeClr val="accent1"/>
-              </a:solidFill>
-              <a:prstDash val="dash"/>
-              <a:miter lim="800000"/>
-              <a:tailEnd type="arrow" w="med" len="med"/>
-            </a:ln>
-          </p:spPr>
-          <p:style>
-            <a:lnRef idx="0">
-              <a:schemeClr val="accent1"/>
-            </a:lnRef>
-            <a:fillRef idx="0">
-              <a:srgbClr val="FFFFFF"/>
-            </a:fillRef>
-            <a:effectRef idx="0">
-              <a:srgbClr val="FFFFFF"/>
-            </a:effectRef>
-            <a:fontRef idx="minor">
-              <a:schemeClr val="tx1"/>
-            </a:fontRef>
-          </p:style>
-        </p:cxnSp>
-        <p:cxnSp>
-          <p:nvCxnSpPr>
-            <p:cNvPr id="22" name="Straight Arrow Connector 24"/>
-            <p:cNvCxnSpPr/>
-            <p:nvPr/>
-          </p:nvCxnSpPr>
-          <p:spPr>
-            <a:xfrm flipH="1">
-              <a:off x="5280660" y="4298315"/>
-              <a:ext cx="1609090" cy="489585"/>
-            </a:xfrm>
-            <a:prstGeom prst="straightConnector1">
-              <a:avLst/>
-            </a:prstGeom>
-            <a:ln w="6350" cap="flat" cmpd="sng" algn="ctr">
-              <a:solidFill>
-                <a:schemeClr val="accent1"/>
-              </a:solidFill>
-              <a:prstDash val="dash"/>
-              <a:miter lim="800000"/>
-              <a:tailEnd type="arrow" w="med" len="med"/>
-            </a:ln>
-          </p:spPr>
-          <p:style>
-            <a:lnRef idx="0">
-              <a:schemeClr val="accent1"/>
-            </a:lnRef>
-            <a:fillRef idx="0">
-              <a:srgbClr val="FFFFFF"/>
-            </a:fillRef>
-            <a:effectRef idx="0">
-              <a:srgbClr val="FFFFFF"/>
-            </a:effectRef>
-            <a:fontRef idx="minor">
-              <a:schemeClr val="tx1"/>
-            </a:fontRef>
-          </p:style>
-        </p:cxnSp>
-        <p:cxnSp>
-          <p:nvCxnSpPr>
-            <p:cNvPr id="23" name="Straight Arrow Connector 25"/>
-            <p:cNvCxnSpPr>
-              <a:stCxn id="19" idx="0"/>
-              <a:endCxn id="13" idx="2"/>
-            </p:cNvCxnSpPr>
-            <p:nvPr/>
-          </p:nvCxnSpPr>
-          <p:spPr>
-            <a:xfrm flipH="1" flipV="1">
-              <a:off x="7544435" y="3168650"/>
-              <a:ext cx="20320" cy="966470"/>
-            </a:xfrm>
-            <a:prstGeom prst="straightConnector1">
-              <a:avLst/>
-            </a:prstGeom>
-            <a:ln w="6350" cap="flat" cmpd="sng" algn="ctr">
-              <a:solidFill>
-                <a:schemeClr val="accent1"/>
-              </a:solidFill>
-              <a:prstDash val="dash"/>
-              <a:miter lim="800000"/>
-              <a:tailEnd type="arrow" w="med" len="med"/>
-            </a:ln>
-          </p:spPr>
-          <p:style>
-            <a:lnRef idx="0">
-              <a:schemeClr val="accent1"/>
-            </a:lnRef>
-            <a:fillRef idx="0">
-              <a:srgbClr val="FFFFFF"/>
-            </a:fillRef>
-            <a:effectRef idx="0">
-              <a:srgbClr val="FFFFFF"/>
-            </a:effectRef>
-            <a:fontRef idx="minor">
-              <a:schemeClr val="tx1"/>
-            </a:fontRef>
-          </p:style>
-        </p:cxnSp>
-        <p:cxnSp>
-          <p:nvCxnSpPr>
-            <p:cNvPr id="24" name="Straight Arrow Connector 26"/>
-            <p:cNvCxnSpPr>
-              <a:endCxn id="14" idx="2"/>
-            </p:cNvCxnSpPr>
-            <p:nvPr/>
-          </p:nvCxnSpPr>
-          <p:spPr>
-            <a:xfrm flipV="1">
-              <a:off x="7609840" y="3359150"/>
-              <a:ext cx="3035935" cy="749300"/>
-            </a:xfrm>
-            <a:prstGeom prst="straightConnector1">
-              <a:avLst/>
-            </a:prstGeom>
-            <a:ln w="6350" cap="flat" cmpd="sng" algn="ctr">
-              <a:solidFill>
-                <a:schemeClr val="accent1"/>
-              </a:solidFill>
-              <a:prstDash val="dash"/>
-              <a:miter lim="800000"/>
-              <a:tailEnd type="arrow" w="med" len="med"/>
-            </a:ln>
-          </p:spPr>
-          <p:style>
-            <a:lnRef idx="0">
-              <a:schemeClr val="accent1"/>
-            </a:lnRef>
-            <a:fillRef idx="0">
-              <a:srgbClr val="FFFFFF"/>
-            </a:fillRef>
-            <a:effectRef idx="0">
-              <a:srgbClr val="FFFFFF"/>
-            </a:effectRef>
-            <a:fontRef idx="minor">
-              <a:schemeClr val="tx1"/>
-            </a:fontRef>
-          </p:style>
-        </p:cxnSp>
-        <p:cxnSp>
-          <p:nvCxnSpPr>
-            <p:cNvPr id="25" name="Straight Arrow Connector 27"/>
-            <p:cNvCxnSpPr>
-              <a:stCxn id="12" idx="2"/>
-              <a:endCxn id="15" idx="0"/>
-            </p:cNvCxnSpPr>
-            <p:nvPr/>
-          </p:nvCxnSpPr>
-          <p:spPr>
-            <a:xfrm>
-              <a:off x="4550410" y="3168650"/>
-              <a:ext cx="0" cy="966470"/>
-            </a:xfrm>
-            <a:prstGeom prst="straightConnector1">
-              <a:avLst/>
-            </a:prstGeom>
-            <a:ln w="6350" cap="flat" cmpd="sng" algn="ctr">
-              <a:solidFill>
-                <a:schemeClr val="accent1"/>
-              </a:solidFill>
-              <a:prstDash val="dash"/>
-              <a:miter lim="800000"/>
-              <a:tailEnd type="arrow" w="med" len="med"/>
-            </a:ln>
-          </p:spPr>
-          <p:style>
-            <a:lnRef idx="0">
-              <a:schemeClr val="accent1"/>
-            </a:lnRef>
-            <a:fillRef idx="0">
-              <a:srgbClr val="FFFFFF"/>
-            </a:fillRef>
-            <a:effectRef idx="0">
-              <a:srgbClr val="FFFFFF"/>
-            </a:effectRef>
-            <a:fontRef idx="minor">
-              <a:schemeClr val="tx1"/>
-            </a:fontRef>
-          </p:style>
-        </p:cxnSp>
-      </p:grpSp>
-      <p:sp>
-        <p:nvSpPr>
-          <p:cNvPr id="32" name="Rectangles 3"/>
-          <p:cNvSpPr/>
-          <p:nvPr/>
-        </p:nvSpPr>
-        <p:spPr>
-          <a:xfrm>
-            <a:off x="3325018" y="196452"/>
-            <a:ext cx="1061182" cy="1498415"/>
-          </a:xfrm>
-          <a:prstGeom prst="rect">
-            <a:avLst/>
-          </a:prstGeom>
-        </p:spPr>
-        <p:style>
-          <a:lnRef idx="2">
-            <a:schemeClr val="accent1">
-              <a:lumMod val="75000"/>
-            </a:schemeClr>
-          </a:lnRef>
-          <a:fillRef idx="1">
-            <a:schemeClr val="accent1"/>
-          </a:fillRef>
-          <a:effectRef idx="0">
-            <a:srgbClr val="FFFFFF"/>
-          </a:effectRef>
-          <a:fontRef idx="minor">
-            <a:schemeClr val="lt1"/>
-          </a:fontRef>
-        </p:style>
-        <p:txBody>
-          <a:bodyPr rtlCol="0" anchor="ctr"/>
-          <a:lstStyle/>
-          <a:p>
-            <a:pPr algn="ctr"/>
-            <a:r>
-              <a:rPr lang="zh-CN" sz="1100"/>
-              <a:t>楼</a:t>
-            </a:r>
-            <a:r>
-              <a:rPr lang="zh-CN" altLang="en-US" sz="1100"/>
-              <a:t>内部界面</a:t>
-            </a:r>
-            <a:endParaRPr lang="zh-CN" sz="1100"/>
-          </a:p>
-          <a:p>
-            <a:pPr algn="ctr"/>
-            <a:r>
-              <a:rPr lang="en-US" altLang="zh-CN" sz="1100"/>
-              <a:t>——————</a:t>
-            </a:r>
-            <a:endParaRPr lang="en-US" altLang="zh-CN" sz="1100"/>
-          </a:p>
-          <a:p>
-            <a:pPr algn="ctr"/>
-            <a:r>
-              <a:rPr lang="zh-CN" altLang="en-US" sz="1100"/>
-              <a:t>楼名称</a:t>
-            </a:r>
-            <a:endParaRPr lang="zh-CN" altLang="en-US" sz="1100"/>
-          </a:p>
-          <a:p>
-            <a:pPr algn="ctr"/>
-            <a:r>
-              <a:rPr lang="en-US" altLang="zh-CN" sz="1100"/>
-              <a:t>——————</a:t>
-            </a:r>
-            <a:endParaRPr lang="zh-CN" altLang="en-US" sz="1100"/>
-          </a:p>
-          <a:p>
-            <a:pPr algn="ctr"/>
-            <a:r>
-              <a:rPr lang="zh-CN" altLang="en-US" sz="1100"/>
-              <a:t>离开楼</a:t>
-            </a:r>
-            <a:endParaRPr lang="zh-CN" altLang="en-US" sz="1100"/>
-          </a:p>
-        </p:txBody>
-      </p:sp>
-      <p:sp>
-        <p:nvSpPr>
-          <p:cNvPr id="33" name="Rectangles 3"/>
-          <p:cNvSpPr/>
-          <p:nvPr/>
-        </p:nvSpPr>
-        <p:spPr>
-          <a:xfrm>
-            <a:off x="5504526" y="171141"/>
-            <a:ext cx="1061182" cy="1498415"/>
-          </a:xfrm>
-          <a:prstGeom prst="rect">
-            <a:avLst/>
-          </a:prstGeom>
-        </p:spPr>
-        <p:style>
-          <a:lnRef idx="2">
-            <a:schemeClr val="accent1">
-              <a:lumMod val="75000"/>
-            </a:schemeClr>
-          </a:lnRef>
-          <a:fillRef idx="1">
-            <a:schemeClr val="accent1"/>
-          </a:fillRef>
-          <a:effectRef idx="0">
-            <a:srgbClr val="FFFFFF"/>
-          </a:effectRef>
-          <a:fontRef idx="minor">
-            <a:schemeClr val="lt1"/>
-          </a:fontRef>
-        </p:style>
-        <p:txBody>
-          <a:bodyPr rtlCol="0" anchor="ctr"/>
-          <a:lstStyle/>
-          <a:p>
-            <a:pPr algn="ctr"/>
-            <a:r>
-              <a:rPr lang="zh-CN" altLang="en-US" sz="1100"/>
-              <a:t>教室内部界面</a:t>
-            </a:r>
-            <a:endParaRPr lang="zh-CN" sz="1100"/>
-          </a:p>
-          <a:p>
-            <a:pPr algn="ctr"/>
-            <a:r>
-              <a:rPr lang="en-US" altLang="zh-CN" sz="1100"/>
-              <a:t>——————</a:t>
-            </a:r>
-            <a:endParaRPr lang="zh-CN" altLang="en-US" sz="1100"/>
-          </a:p>
-          <a:p>
-            <a:pPr algn="ctr"/>
-            <a:r>
-              <a:rPr lang="zh-CN" altLang="en-US" sz="1100"/>
-              <a:t>教室名称</a:t>
-            </a:r>
-            <a:endParaRPr lang="zh-CN" altLang="en-US" sz="1100"/>
-          </a:p>
-          <a:p>
-            <a:pPr algn="ctr"/>
-            <a:r>
-              <a:rPr lang="en-US" altLang="zh-CN" sz="1100"/>
-              <a:t>——————</a:t>
-            </a:r>
-            <a:endParaRPr lang="en-US" altLang="zh-CN" sz="1100"/>
-          </a:p>
-          <a:p>
-            <a:pPr algn="ctr"/>
-            <a:r>
-              <a:rPr lang="zh-CN" altLang="en-US" sz="1100"/>
-              <a:t>进入</a:t>
-            </a:r>
-            <a:r>
-              <a:rPr lang="zh-CN" altLang="en-US" sz="1100">
-                <a:sym typeface="+mn-ea"/>
-              </a:rPr>
-              <a:t>教室</a:t>
-            </a:r>
-            <a:endParaRPr lang="zh-CN" altLang="en-US" sz="1100"/>
-          </a:p>
-          <a:p>
-            <a:pPr algn="ctr"/>
-            <a:r>
-              <a:rPr lang="zh-CN" altLang="en-US" sz="1100"/>
-              <a:t>离开</a:t>
-            </a:r>
-            <a:r>
-              <a:rPr lang="zh-CN" altLang="en-US" sz="1100">
-                <a:sym typeface="+mn-ea"/>
-              </a:rPr>
-              <a:t>教室</a:t>
-            </a:r>
-            <a:endParaRPr lang="zh-CN" altLang="en-US" sz="1100">
-              <a:sym typeface="+mn-ea"/>
-            </a:endParaRPr>
-          </a:p>
-          <a:p>
-            <a:pPr algn="ctr"/>
-            <a:r>
-              <a:rPr lang="zh-CN" altLang="en-US" sz="1100"/>
-              <a:t>进入讨论板</a:t>
-            </a:r>
-            <a:endParaRPr lang="zh-CN" altLang="en-US" sz="1100"/>
-          </a:p>
-        </p:txBody>
-      </p:sp>
-      <p:sp>
-        <p:nvSpPr>
-          <p:cNvPr id="34" name="Rectangles 3"/>
-          <p:cNvSpPr/>
-          <p:nvPr/>
-        </p:nvSpPr>
-        <p:spPr>
-          <a:xfrm>
-            <a:off x="7860087" y="131498"/>
-            <a:ext cx="1061182" cy="1498415"/>
-          </a:xfrm>
-          <a:prstGeom prst="rect">
-            <a:avLst/>
-          </a:prstGeom>
-        </p:spPr>
-        <p:style>
-          <a:lnRef idx="2">
-            <a:schemeClr val="accent1">
-              <a:lumMod val="75000"/>
-            </a:schemeClr>
-          </a:lnRef>
-          <a:fillRef idx="1">
-            <a:schemeClr val="accent1"/>
-          </a:fillRef>
-          <a:effectRef idx="0">
-            <a:srgbClr val="FFFFFF"/>
-          </a:effectRef>
-          <a:fontRef idx="minor">
-            <a:schemeClr val="lt1"/>
-          </a:fontRef>
-        </p:style>
-        <p:txBody>
-          <a:bodyPr rtlCol="0" anchor="ctr"/>
-          <a:lstStyle/>
-          <a:p>
-            <a:pPr algn="ctr"/>
-            <a:r>
-              <a:rPr lang="zh-CN" altLang="en-US" sz="1100"/>
-              <a:t>座位界面</a:t>
-            </a:r>
-            <a:endParaRPr lang="zh-CN" sz="1100"/>
-          </a:p>
-          <a:p>
-            <a:pPr algn="ctr"/>
-            <a:r>
-              <a:rPr lang="en-US" altLang="zh-CN" sz="1100"/>
-              <a:t>——————</a:t>
-            </a:r>
-            <a:endParaRPr lang="en-US" altLang="zh-CN" sz="1100"/>
-          </a:p>
-          <a:p>
-            <a:pPr algn="ctr"/>
-            <a:r>
-              <a:rPr lang="zh-CN" altLang="en-US" sz="1100"/>
-              <a:t>座位号</a:t>
-            </a:r>
-            <a:endParaRPr lang="zh-CN" altLang="en-US" sz="1100"/>
-          </a:p>
-          <a:p>
-            <a:pPr algn="ctr"/>
-            <a:r>
-              <a:rPr lang="en-US" altLang="zh-CN" sz="1100"/>
-              <a:t>——————</a:t>
-            </a:r>
-            <a:endParaRPr lang="en-US" altLang="zh-CN" sz="1100"/>
-          </a:p>
-          <a:p>
-            <a:pPr algn="ctr"/>
-            <a:r>
-              <a:rPr lang="zh-CN" altLang="en-US" sz="1100"/>
-              <a:t>离开</a:t>
-            </a:r>
-            <a:r>
-              <a:rPr lang="zh-CN" altLang="en-US" sz="1100">
-                <a:sym typeface="+mn-ea"/>
-              </a:rPr>
-              <a:t>座位</a:t>
-            </a:r>
-            <a:endParaRPr lang="zh-CN" altLang="en-US" sz="1100"/>
-          </a:p>
-        </p:txBody>
-      </p:sp>
-      <p:sp>
-        <p:nvSpPr>
-          <p:cNvPr id="35" name="Rectangles 3"/>
-          <p:cNvSpPr/>
-          <p:nvPr/>
-        </p:nvSpPr>
-        <p:spPr>
-          <a:xfrm>
-            <a:off x="10027507" y="126472"/>
-            <a:ext cx="1061182" cy="1543084"/>
-          </a:xfrm>
-          <a:prstGeom prst="rect">
-            <a:avLst/>
-          </a:prstGeom>
-        </p:spPr>
-        <p:style>
-          <a:lnRef idx="2">
-            <a:schemeClr val="accent1">
-              <a:lumMod val="75000"/>
-            </a:schemeClr>
-          </a:lnRef>
-          <a:fillRef idx="1">
-            <a:schemeClr val="accent1"/>
-          </a:fillRef>
-          <a:effectRef idx="0">
-            <a:srgbClr val="FFFFFF"/>
-          </a:effectRef>
-          <a:fontRef idx="minor">
-            <a:schemeClr val="lt1"/>
-          </a:fontRef>
-        </p:style>
-        <p:txBody>
-          <a:bodyPr rtlCol="0" anchor="ctr"/>
-          <a:lstStyle/>
-          <a:p>
-            <a:pPr algn="ctr"/>
-            <a:r>
-              <a:rPr lang="zh-CN" altLang="en-US" sz="1100"/>
-              <a:t>专注自习界面</a:t>
-            </a:r>
-            <a:endParaRPr lang="zh-CN" sz="1100"/>
-          </a:p>
-          <a:p>
-            <a:pPr algn="ctr"/>
-            <a:r>
-              <a:rPr lang="en-US" altLang="zh-CN" sz="1100"/>
-              <a:t>——————</a:t>
-            </a:r>
-            <a:endParaRPr lang="en-US" altLang="zh-CN" sz="1100"/>
-          </a:p>
-          <a:p>
-            <a:pPr algn="ctr"/>
-            <a:r>
-              <a:rPr lang="zh-CN" altLang="en-US" sz="1100"/>
-              <a:t>自习时间</a:t>
-            </a:r>
-            <a:endParaRPr lang="en-US" altLang="zh-CN" sz="1100"/>
-          </a:p>
-          <a:p>
-            <a:pPr algn="ctr"/>
-            <a:r>
-              <a:rPr lang="zh-CN" altLang="en-US" sz="1100"/>
-              <a:t>休息时间</a:t>
-            </a:r>
-            <a:endParaRPr lang="en-US" altLang="zh-CN" sz="1100"/>
-          </a:p>
-          <a:p>
-            <a:pPr algn="ctr"/>
-            <a:r>
-              <a:rPr lang="zh-CN" altLang="en-US" sz="1100"/>
-              <a:t>周期数</a:t>
-            </a:r>
-            <a:endParaRPr lang="en-US" altLang="zh-CN" sz="1100"/>
-          </a:p>
-          <a:p>
-            <a:pPr algn="ctr"/>
-            <a:r>
-              <a:rPr lang="en-US" altLang="zh-CN" sz="1100"/>
-              <a:t>——————</a:t>
-            </a:r>
-            <a:endParaRPr lang="en-US" altLang="zh-CN" sz="1100"/>
-          </a:p>
-          <a:p>
-            <a:pPr algn="ctr"/>
-            <a:r>
-              <a:rPr lang="zh-CN" altLang="en-US" sz="1100"/>
-              <a:t>设置计划信息</a:t>
-            </a:r>
-            <a:endParaRPr lang="zh-CN" altLang="en-US" sz="1100"/>
-          </a:p>
-          <a:p>
-            <a:pPr algn="ctr"/>
-            <a:r>
-              <a:rPr lang="zh-CN" altLang="en-US" sz="1100"/>
-              <a:t>开始自习</a:t>
-            </a:r>
-            <a:endParaRPr lang="zh-CN" altLang="en-US" sz="1100"/>
-          </a:p>
-          <a:p>
-            <a:pPr algn="ctr"/>
-            <a:r>
-              <a:rPr lang="zh-CN" altLang="en-US" sz="1100"/>
-              <a:t>结束自习</a:t>
-            </a:r>
-            <a:endParaRPr lang="zh-CN" altLang="en-US" sz="1100"/>
-          </a:p>
-        </p:txBody>
-      </p:sp>
-      <p:sp>
-        <p:nvSpPr>
-          <p:cNvPr id="36" name="Rectangles 3"/>
-          <p:cNvSpPr/>
-          <p:nvPr/>
-        </p:nvSpPr>
-        <p:spPr>
-          <a:xfrm>
-            <a:off x="3466510" y="4844402"/>
-            <a:ext cx="1061182" cy="1498415"/>
-          </a:xfrm>
-          <a:prstGeom prst="rect">
-            <a:avLst/>
-          </a:prstGeom>
-        </p:spPr>
-        <p:style>
-          <a:lnRef idx="2">
-            <a:schemeClr val="accent1">
-              <a:lumMod val="75000"/>
-            </a:schemeClr>
-          </a:lnRef>
-          <a:fillRef idx="1">
-            <a:schemeClr val="accent1"/>
-          </a:fillRef>
-          <a:effectRef idx="0">
-            <a:srgbClr val="FFFFFF"/>
-          </a:effectRef>
-          <a:fontRef idx="minor">
-            <a:schemeClr val="lt1"/>
-          </a:fontRef>
-        </p:style>
-        <p:txBody>
-          <a:bodyPr rtlCol="0" anchor="ctr"/>
-          <a:lstStyle/>
-          <a:p>
-            <a:pPr algn="ctr"/>
-            <a:r>
-              <a:rPr lang="zh-CN" altLang="en-US" sz="1100"/>
-              <a:t>讨论板界面</a:t>
-            </a:r>
-            <a:endParaRPr lang="zh-CN" sz="1100"/>
-          </a:p>
-          <a:p>
-            <a:pPr algn="ctr"/>
-            <a:r>
-              <a:rPr lang="en-US" altLang="zh-CN" sz="1100"/>
-              <a:t>——————</a:t>
-            </a:r>
-            <a:endParaRPr lang="en-US" altLang="zh-CN" sz="1100"/>
-          </a:p>
-          <a:p>
-            <a:pPr algn="ctr"/>
-            <a:r>
-              <a:rPr lang="zh-CN" altLang="en-US" sz="1100"/>
-              <a:t>楼号</a:t>
-            </a:r>
-            <a:endParaRPr lang="zh-CN" altLang="en-US" sz="1100"/>
-          </a:p>
-          <a:p>
-            <a:pPr algn="ctr"/>
-            <a:r>
-              <a:rPr lang="zh-CN" altLang="en-US" sz="1100"/>
-              <a:t>楼名称</a:t>
-            </a:r>
-            <a:endParaRPr lang="zh-CN" altLang="en-US" sz="1100"/>
-          </a:p>
-          <a:p>
-            <a:pPr algn="ctr"/>
-            <a:r>
-              <a:rPr lang="en-US" altLang="zh-CN" sz="1100"/>
-              <a:t>——————</a:t>
-            </a:r>
-            <a:endParaRPr lang="en-US" altLang="zh-CN" sz="1100"/>
-          </a:p>
-          <a:p>
-            <a:pPr algn="ctr"/>
-            <a:r>
-              <a:rPr lang="zh-CN" altLang="en-US" sz="1100"/>
-              <a:t>离开讨论板</a:t>
-            </a:r>
-            <a:endParaRPr lang="zh-CN" altLang="en-US" sz="1100"/>
-          </a:p>
-        </p:txBody>
-      </p:sp>
-      <p:cxnSp>
-        <p:nvCxnSpPr>
-          <p:cNvPr id="37" name="Straight Arrow Connector 22"/>
-          <p:cNvCxnSpPr>
-            <a:stCxn id="32" idx="2"/>
-            <a:endCxn id="11" idx="0"/>
-          </p:cNvCxnSpPr>
-          <p:nvPr/>
-        </p:nvCxnSpPr>
-        <p:spPr>
-          <a:xfrm flipH="1">
-            <a:off x="3813326" y="1694867"/>
-            <a:ext cx="42283" cy="1051754"/>
-          </a:xfrm>
-          <a:prstGeom prst="straightConnector1">
-            <a:avLst/>
-          </a:prstGeom>
-          <a:ln w="6350" cap="flat" cmpd="sng" algn="ctr">
-            <a:solidFill>
-              <a:schemeClr val="accent1"/>
-            </a:solidFill>
-            <a:prstDash val="dash"/>
-            <a:miter lim="800000"/>
-            <a:tailEnd type="arrow" w="med" len="med"/>
-          </a:ln>
-        </p:spPr>
-        <p:style>
-          <a:lnRef idx="0">
-            <a:schemeClr val="accent1"/>
-          </a:lnRef>
-          <a:fillRef idx="0">
-            <a:srgbClr val="FFFFFF"/>
-          </a:fillRef>
-          <a:effectRef idx="0">
-            <a:srgbClr val="FFFFFF"/>
-          </a:effectRef>
-          <a:fontRef idx="minor">
-            <a:schemeClr val="tx1"/>
-          </a:fontRef>
-        </p:style>
-      </p:cxnSp>
-      <p:cxnSp>
-        <p:nvCxnSpPr>
-          <p:cNvPr id="38" name="Straight Arrow Connector 22"/>
-          <p:cNvCxnSpPr/>
-          <p:nvPr/>
-        </p:nvCxnSpPr>
-        <p:spPr>
-          <a:xfrm flipH="1">
-            <a:off x="6053717" y="1716417"/>
-            <a:ext cx="42283" cy="1051754"/>
-          </a:xfrm>
-          <a:prstGeom prst="straightConnector1">
-            <a:avLst/>
-          </a:prstGeom>
-          <a:ln w="6350" cap="flat" cmpd="sng" algn="ctr">
-            <a:solidFill>
-              <a:schemeClr val="accent1"/>
-            </a:solidFill>
-            <a:prstDash val="dash"/>
-            <a:miter lim="800000"/>
-            <a:tailEnd type="arrow" w="med" len="med"/>
-          </a:ln>
-        </p:spPr>
-        <p:style>
-          <a:lnRef idx="0">
-            <a:schemeClr val="accent1"/>
-          </a:lnRef>
-          <a:fillRef idx="0">
-            <a:srgbClr val="FFFFFF"/>
-          </a:fillRef>
-          <a:effectRef idx="0">
-            <a:srgbClr val="FFFFFF"/>
-          </a:effectRef>
-          <a:fontRef idx="minor">
-            <a:schemeClr val="tx1"/>
-          </a:fontRef>
-        </p:style>
-      </p:cxnSp>
-      <p:cxnSp>
-        <p:nvCxnSpPr>
-          <p:cNvPr id="39" name="Straight Arrow Connector 22"/>
-          <p:cNvCxnSpPr>
-            <a:stCxn id="34" idx="2"/>
-          </p:cNvCxnSpPr>
-          <p:nvPr/>
-        </p:nvCxnSpPr>
-        <p:spPr>
-          <a:xfrm flipH="1">
-            <a:off x="8263160" y="1629913"/>
-            <a:ext cx="127518" cy="1123826"/>
-          </a:xfrm>
-          <a:prstGeom prst="straightConnector1">
-            <a:avLst/>
-          </a:prstGeom>
-          <a:ln w="6350" cap="flat" cmpd="sng" algn="ctr">
-            <a:solidFill>
-              <a:schemeClr val="accent1"/>
-            </a:solidFill>
-            <a:prstDash val="dash"/>
-            <a:miter lim="800000"/>
-            <a:tailEnd type="arrow" w="med" len="med"/>
-          </a:ln>
-        </p:spPr>
-        <p:style>
-          <a:lnRef idx="0">
-            <a:schemeClr val="accent1"/>
-          </a:lnRef>
-          <a:fillRef idx="0">
-            <a:srgbClr val="FFFFFF"/>
-          </a:fillRef>
-          <a:effectRef idx="0">
-            <a:srgbClr val="FFFFFF"/>
-          </a:effectRef>
-          <a:fontRef idx="minor">
-            <a:schemeClr val="tx1"/>
-          </a:fontRef>
-        </p:style>
-      </p:cxnSp>
-      <p:cxnSp>
-        <p:nvCxnSpPr>
-          <p:cNvPr id="40" name="Straight Arrow Connector 22"/>
-          <p:cNvCxnSpPr>
-            <a:stCxn id="35" idx="2"/>
-          </p:cNvCxnSpPr>
-          <p:nvPr/>
-        </p:nvCxnSpPr>
-        <p:spPr>
-          <a:xfrm flipH="1">
-            <a:off x="10536696" y="1669556"/>
-            <a:ext cx="21402" cy="1084183"/>
-          </a:xfrm>
-          <a:prstGeom prst="straightConnector1">
-            <a:avLst/>
-          </a:prstGeom>
-          <a:ln w="6350" cap="flat" cmpd="sng" algn="ctr">
-            <a:solidFill>
-              <a:schemeClr val="accent1"/>
-            </a:solidFill>
-            <a:prstDash val="dash"/>
-            <a:miter lim="800000"/>
-            <a:tailEnd type="arrow" w="med" len="med"/>
-          </a:ln>
-        </p:spPr>
-        <p:style>
-          <a:lnRef idx="0">
-            <a:schemeClr val="accent1"/>
-          </a:lnRef>
-          <a:fillRef idx="0">
-            <a:srgbClr val="FFFFFF"/>
-          </a:fillRef>
-          <a:effectRef idx="0">
-            <a:srgbClr val="FFFFFF"/>
-          </a:effectRef>
-          <a:fontRef idx="minor">
-            <a:schemeClr val="tx1"/>
-          </a:fontRef>
-        </p:style>
-      </p:cxnSp>
-      <p:cxnSp>
-        <p:nvCxnSpPr>
-          <p:cNvPr id="41" name="Straight Arrow Connector 22"/>
-          <p:cNvCxnSpPr>
-            <a:stCxn id="36" idx="3"/>
-            <a:endCxn id="15" idx="1"/>
-          </p:cNvCxnSpPr>
-          <p:nvPr/>
-        </p:nvCxnSpPr>
-        <p:spPr>
-          <a:xfrm>
-            <a:off x="4527692" y="5593610"/>
-            <a:ext cx="976834" cy="20249"/>
-          </a:xfrm>
-          <a:prstGeom prst="straightConnector1">
-            <a:avLst/>
-          </a:prstGeom>
-          <a:ln w="6350" cap="flat" cmpd="sng" algn="ctr">
-            <a:solidFill>
-              <a:schemeClr val="accent1"/>
-            </a:solidFill>
-            <a:prstDash val="dash"/>
-            <a:miter lim="800000"/>
-            <a:tailEnd type="arrow" w="med" len="med"/>
-          </a:ln>
-        </p:spPr>
-        <p:style>
-          <a:lnRef idx="0">
-            <a:schemeClr val="accent1"/>
-          </a:lnRef>
-          <a:fillRef idx="0">
-            <a:srgbClr val="FFFFFF"/>
-          </a:fillRef>
-          <a:effectRef idx="0">
-            <a:srgbClr val="FFFFFF"/>
-          </a:effectRef>
-          <a:fontRef idx="minor">
-            <a:schemeClr val="tx1"/>
-          </a:fontRef>
-        </p:style>
-      </p:cxnSp>
-      <p:sp>
-        <p:nvSpPr>
-          <p:cNvPr id="42" name="Rectangles 3"/>
-          <p:cNvSpPr/>
-          <p:nvPr/>
-        </p:nvSpPr>
-        <p:spPr>
-          <a:xfrm>
-            <a:off x="9738303" y="4860488"/>
-            <a:ext cx="1061182" cy="1498415"/>
-          </a:xfrm>
-          <a:prstGeom prst="rect">
-            <a:avLst/>
-          </a:prstGeom>
-        </p:spPr>
-        <p:style>
-          <a:lnRef idx="2">
-            <a:schemeClr val="accent1">
-              <a:lumMod val="75000"/>
-            </a:schemeClr>
-          </a:lnRef>
-          <a:fillRef idx="1">
-            <a:schemeClr val="accent1"/>
-          </a:fillRef>
-          <a:effectRef idx="0">
-            <a:srgbClr val="FFFFFF"/>
-          </a:effectRef>
-          <a:fontRef idx="minor">
-            <a:schemeClr val="lt1"/>
-          </a:fontRef>
-        </p:style>
-        <p:txBody>
-          <a:bodyPr rtlCol="0" anchor="ctr"/>
-          <a:lstStyle/>
-          <a:p>
-            <a:pPr algn="ctr"/>
-            <a:r>
-              <a:rPr lang="zh-CN" altLang="en-US" sz="1100"/>
-              <a:t>用户信息界面</a:t>
-            </a:r>
-            <a:endParaRPr lang="zh-CN" sz="1100"/>
-          </a:p>
-          <a:p>
-            <a:pPr algn="ctr"/>
-            <a:r>
-              <a:rPr lang="en-US" altLang="zh-CN" sz="1100"/>
-              <a:t>——————</a:t>
-            </a:r>
-            <a:endParaRPr lang="en-US" altLang="zh-CN" sz="1100"/>
-          </a:p>
-          <a:p>
-            <a:pPr algn="ctr"/>
-            <a:endParaRPr lang="en-US" altLang="zh-CN" sz="1100"/>
-          </a:p>
-          <a:p>
-            <a:pPr algn="ctr"/>
-            <a:r>
-              <a:rPr lang="en-US" altLang="zh-CN" sz="1100"/>
-              <a:t>——————</a:t>
-            </a:r>
-            <a:endParaRPr lang="en-US" altLang="zh-CN" sz="1100"/>
-          </a:p>
-          <a:p>
-            <a:pPr algn="ctr"/>
-            <a:r>
-              <a:rPr lang="zh-CN" altLang="en-US" sz="1100"/>
-              <a:t>离开用户信息界面</a:t>
-            </a:r>
-            <a:endParaRPr lang="zh-CN" altLang="en-US" sz="1100"/>
-          </a:p>
-        </p:txBody>
-      </p:sp>
-      <p:cxnSp>
-        <p:nvCxnSpPr>
-          <p:cNvPr id="43" name="Straight Arrow Connector 22"/>
-          <p:cNvCxnSpPr>
-            <a:stCxn id="42" idx="1"/>
-            <a:endCxn id="19" idx="3"/>
-          </p:cNvCxnSpPr>
-          <p:nvPr/>
-        </p:nvCxnSpPr>
-        <p:spPr>
-          <a:xfrm flipH="1">
-            <a:off x="8802577" y="5609696"/>
-            <a:ext cx="935726" cy="923"/>
-          </a:xfrm>
-          <a:prstGeom prst="straightConnector1">
-            <a:avLst/>
-          </a:prstGeom>
-          <a:ln w="6350" cap="flat" cmpd="sng" algn="ctr">
-            <a:solidFill>
-              <a:schemeClr val="accent1"/>
-            </a:solidFill>
-            <a:prstDash val="dash"/>
-            <a:miter lim="800000"/>
-            <a:tailEnd type="arrow" w="med" len="med"/>
-          </a:ln>
-        </p:spPr>
-        <p:style>
-          <a:lnRef idx="0">
-            <a:schemeClr val="accent1"/>
-          </a:lnRef>
-          <a:fillRef idx="0">
-            <a:srgbClr val="FFFFFF"/>
-          </a:fillRef>
-          <a:effectRef idx="0">
-            <a:srgbClr val="FFFFFF"/>
-          </a:effectRef>
-          <a:fontRef idx="minor">
-            <a:schemeClr val="tx1"/>
-          </a:fontRef>
-        </p:style>
-      </p:cxnSp>
-      <p:sp>
-        <p:nvSpPr>
-          <p:cNvPr id="44" name="文本框 43"/>
-          <p:cNvSpPr txBox="1"/>
-          <p:nvPr/>
-        </p:nvSpPr>
-        <p:spPr>
-          <a:xfrm>
-            <a:off x="391197" y="1286594"/>
-            <a:ext cx="2181803" cy="646331"/>
-          </a:xfrm>
-          <a:prstGeom prst="rect">
-            <a:avLst/>
-          </a:prstGeom>
-          <a:noFill/>
-        </p:spPr>
-        <p:txBody>
-          <a:bodyPr wrap="square" rtlCol="0">
-            <a:spAutoFit/>
-          </a:bodyPr>
-          <a:lstStyle/>
-          <a:p>
-            <a:r>
-              <a:rPr lang="zh-CN" altLang="en-US"/>
-              <a:t>为每个场景以及用户信息都提供界面</a:t>
-            </a:r>
-            <a:endParaRPr lang="zh-CN" altLang="en-US"/>
           </a:p>
         </p:txBody>
       </p:sp>

--- a/Part2/SE2.pptx
+++ b/Part2/SE2.pptx
@@ -2702,7 +2702,7 @@
         <a:spcBef>
           <a:spcPts val="1000"/>
         </a:spcBef>
-        <a:buFont typeface="Arial" panose="020B0604020202090204" pitchFamily="34" charset="0"/>
+        <a:buFont typeface="Arial" panose="020B0604020202020204" pitchFamily="34" charset="0"/>
         <a:buChar char="•"/>
         <a:defRPr sz="2800" kern="1200">
           <a:solidFill>
@@ -2720,7 +2720,7 @@
         <a:spcBef>
           <a:spcPts val="500"/>
         </a:spcBef>
-        <a:buFont typeface="Arial" panose="020B0604020202090204" pitchFamily="34" charset="0"/>
+        <a:buFont typeface="Arial" panose="020B0604020202020204" pitchFamily="34" charset="0"/>
         <a:buChar char="•"/>
         <a:defRPr sz="2400" kern="1200">
           <a:solidFill>
@@ -2738,7 +2738,7 @@
         <a:spcBef>
           <a:spcPts val="500"/>
         </a:spcBef>
-        <a:buFont typeface="Arial" panose="020B0604020202090204" pitchFamily="34" charset="0"/>
+        <a:buFont typeface="Arial" panose="020B0604020202020204" pitchFamily="34" charset="0"/>
         <a:buChar char="•"/>
         <a:defRPr sz="2000" kern="1200">
           <a:solidFill>
@@ -2756,7 +2756,7 @@
         <a:spcBef>
           <a:spcPts val="500"/>
         </a:spcBef>
-        <a:buFont typeface="Arial" panose="020B0604020202090204" pitchFamily="34" charset="0"/>
+        <a:buFont typeface="Arial" panose="020B0604020202020204" pitchFamily="34" charset="0"/>
         <a:buChar char="•"/>
         <a:defRPr sz="1800" kern="1200">
           <a:solidFill>
@@ -2774,7 +2774,7 @@
         <a:spcBef>
           <a:spcPts val="500"/>
         </a:spcBef>
-        <a:buFont typeface="Arial" panose="020B0604020202090204" pitchFamily="34" charset="0"/>
+        <a:buFont typeface="Arial" panose="020B0604020202020204" pitchFamily="34" charset="0"/>
         <a:buChar char="•"/>
         <a:defRPr sz="1800" kern="1200">
           <a:solidFill>
@@ -2792,7 +2792,7 @@
         <a:spcBef>
           <a:spcPts val="500"/>
         </a:spcBef>
-        <a:buFont typeface="Arial" panose="020B0604020202090204" pitchFamily="34" charset="0"/>
+        <a:buFont typeface="Arial" panose="020B0604020202020204" pitchFamily="34" charset="0"/>
         <a:buChar char="•"/>
         <a:defRPr sz="1800" kern="1200">
           <a:solidFill>
@@ -2810,7 +2810,7 @@
         <a:spcBef>
           <a:spcPts val="500"/>
         </a:spcBef>
-        <a:buFont typeface="Arial" panose="020B0604020202090204" pitchFamily="34" charset="0"/>
+        <a:buFont typeface="Arial" panose="020B0604020202020204" pitchFamily="34" charset="0"/>
         <a:buChar char="•"/>
         <a:defRPr sz="1800" kern="1200">
           <a:solidFill>
@@ -2828,7 +2828,7 @@
         <a:spcBef>
           <a:spcPts val="500"/>
         </a:spcBef>
-        <a:buFont typeface="Arial" panose="020B0604020202090204" pitchFamily="34" charset="0"/>
+        <a:buFont typeface="Arial" panose="020B0604020202020204" pitchFamily="34" charset="0"/>
         <a:buChar char="•"/>
         <a:defRPr sz="1800" kern="1200">
           <a:solidFill>
@@ -2846,7 +2846,7 @@
         <a:spcBef>
           <a:spcPts val="500"/>
         </a:spcBef>
-        <a:buFont typeface="Arial" panose="020B0604020202090204" pitchFamily="34" charset="0"/>
+        <a:buFont typeface="Arial" panose="020B0604020202020204" pitchFamily="34" charset="0"/>
         <a:buChar char="•"/>
         <a:defRPr sz="1800" kern="1200">
           <a:solidFill>
@@ -12067,7 +12067,7 @@
                   <a:effectLst/>
                   <a:latin typeface="Hero" panose="02000506000000020004" pitchFamily="50" charset="0"/>
                   <a:ea typeface="微软雅黑" panose="020B0503020204020204" pitchFamily="34" charset="-122"/>
-                  <a:cs typeface="Times New Roman" panose="02020503050405090304" pitchFamily="18" charset="0"/>
+                  <a:cs typeface="Times New Roman" panose="02020603050405020304" pitchFamily="18" charset="0"/>
                 </a:rPr>
                 <a:t>CONTENTS</a:t>
               </a:r>
@@ -12304,8 +12304,8 @@
                   <a:srgbClr val="5C819D"/>
                 </a:solidFill>
                 <a:latin typeface="Hero" panose="02000506000000020004" pitchFamily="50" charset="0"/>
-                <a:ea typeface="宋体" pitchFamily="2" charset="-122"/>
-                <a:cs typeface="Times New Roman" panose="02020503050405090304" pitchFamily="18" charset="0"/>
+                <a:ea typeface="宋体" panose="02010600030101010101" pitchFamily="2" charset="-122"/>
+                <a:cs typeface="Times New Roman" panose="02020603050405020304" pitchFamily="18" charset="0"/>
               </a:rPr>
               <a:t>OOA </a:t>
             </a:r>
@@ -12314,8 +12314,8 @@
                 <a:srgbClr val="5C819D"/>
               </a:solidFill>
               <a:latin typeface="Hero" panose="02000506000000020004" pitchFamily="50" charset="0"/>
-              <a:ea typeface="宋体" pitchFamily="2" charset="-122"/>
-              <a:cs typeface="Times New Roman" panose="02020503050405090304" pitchFamily="18" charset="0"/>
+              <a:ea typeface="宋体" panose="02010600030101010101" pitchFamily="2" charset="-122"/>
+              <a:cs typeface="Times New Roman" panose="02020603050405020304" pitchFamily="18" charset="0"/>
             </a:endParaRPr>
           </a:p>
         </p:txBody>
@@ -12356,8 +12356,8 @@
                   <a:srgbClr val="5C819D"/>
                 </a:solidFill>
                 <a:latin typeface="Hero" panose="02000506000000020004" pitchFamily="50" charset="0"/>
-                <a:ea typeface="宋体" pitchFamily="2" charset="-122"/>
-                <a:cs typeface="Times New Roman" panose="02020503050405090304" pitchFamily="18" charset="0"/>
+                <a:ea typeface="宋体" panose="02010600030101010101" pitchFamily="2" charset="-122"/>
+                <a:cs typeface="Times New Roman" panose="02020603050405020304" pitchFamily="18" charset="0"/>
               </a:rPr>
               <a:t>OOD </a:t>
             </a:r>
@@ -12366,8 +12366,8 @@
                 <a:srgbClr val="5C819D"/>
               </a:solidFill>
               <a:latin typeface="Hero" panose="02000506000000020004" pitchFamily="50" charset="0"/>
-              <a:ea typeface="宋体" pitchFamily="2" charset="-122"/>
-              <a:cs typeface="Times New Roman" panose="02020503050405090304" pitchFamily="18" charset="0"/>
+              <a:ea typeface="宋体" panose="02010600030101010101" pitchFamily="2" charset="-122"/>
+              <a:cs typeface="Times New Roman" panose="02020603050405020304" pitchFamily="18" charset="0"/>
             </a:endParaRPr>
           </a:p>
         </p:txBody>
@@ -12408,8 +12408,8 @@
                   <a:srgbClr val="5C819D"/>
                 </a:solidFill>
                 <a:latin typeface="Hero" panose="02000506000000020004" pitchFamily="50" charset="0"/>
-                <a:ea typeface="宋体" pitchFamily="2" charset="-122"/>
-                <a:cs typeface="Times New Roman" panose="02020503050405090304" pitchFamily="18" charset="0"/>
+                <a:ea typeface="宋体" panose="02010600030101010101" pitchFamily="2" charset="-122"/>
+                <a:cs typeface="Times New Roman" panose="02020603050405020304" pitchFamily="18" charset="0"/>
               </a:rPr>
               <a:t>Our work </a:t>
             </a:r>
@@ -12418,8 +12418,8 @@
                 <a:srgbClr val="5C819D"/>
               </a:solidFill>
               <a:latin typeface="Hero" panose="02000506000000020004" pitchFamily="50" charset="0"/>
-              <a:ea typeface="宋体" pitchFamily="2" charset="-122"/>
-              <a:cs typeface="Times New Roman" panose="02020503050405090304" pitchFamily="18" charset="0"/>
+              <a:ea typeface="宋体" panose="02010600030101010101" pitchFamily="2" charset="-122"/>
+              <a:cs typeface="Times New Roman" panose="02020603050405020304" pitchFamily="18" charset="0"/>
             </a:endParaRPr>
           </a:p>
         </p:txBody>
@@ -12460,8 +12460,8 @@
                   <a:srgbClr val="5C819D"/>
                 </a:solidFill>
                 <a:latin typeface="Hero" panose="02000506000000020004" pitchFamily="50" charset="0"/>
-                <a:ea typeface="宋体" pitchFamily="2" charset="-122"/>
-                <a:cs typeface="Times New Roman" panose="02020503050405090304" pitchFamily="18" charset="0"/>
+                <a:ea typeface="宋体" panose="02010600030101010101" pitchFamily="2" charset="-122"/>
+                <a:cs typeface="Times New Roman" panose="02020603050405020304" pitchFamily="18" charset="0"/>
               </a:rPr>
               <a:t>commit, branch, contribution</a:t>
             </a:r>
@@ -12470,8 +12470,8 @@
                 <a:srgbClr val="5C819D"/>
               </a:solidFill>
               <a:latin typeface="Hero" panose="02000506000000020004" pitchFamily="50" charset="0"/>
-              <a:ea typeface="宋体" pitchFamily="2" charset="-122"/>
-              <a:cs typeface="Times New Roman" panose="02020503050405090304" pitchFamily="18" charset="0"/>
+              <a:ea typeface="宋体" panose="02010600030101010101" pitchFamily="2" charset="-122"/>
+              <a:cs typeface="Times New Roman" panose="02020603050405020304" pitchFamily="18" charset="0"/>
             </a:endParaRPr>
           </a:p>
         </p:txBody>
@@ -12943,8 +12943,8 @@
                 </a:solidFill>
                 <a:effectLst/>
                 <a:latin typeface="Hero" panose="02000506000000020004" pitchFamily="50" charset="0"/>
-                <a:ea typeface="宋体" pitchFamily="2" charset="-122"/>
-                <a:cs typeface="Times New Roman" panose="02020503050405090304" pitchFamily="18" charset="0"/>
+                <a:ea typeface="宋体" panose="02010600030101010101" pitchFamily="2" charset="-122"/>
+                <a:cs typeface="Times New Roman" panose="02020603050405020304" pitchFamily="18" charset="0"/>
               </a:rPr>
               <a:t>Please enter the relevant text content here. Operation method: select all the text in this paragraph with the mouse, and enter the text directly to replace it. The text format will not change.</a:t>
             </a:r>
@@ -12954,8 +12954,8 @@
               </a:solidFill>
               <a:effectLst/>
               <a:latin typeface="Hero" panose="02000506000000020004" pitchFamily="50" charset="0"/>
-              <a:ea typeface="宋体" pitchFamily="2" charset="-122"/>
-              <a:cs typeface="Times New Roman" panose="02020503050405090304" pitchFamily="18" charset="0"/>
+              <a:ea typeface="宋体" panose="02010600030101010101" pitchFamily="2" charset="-122"/>
+              <a:cs typeface="Times New Roman" panose="02020603050405020304" pitchFamily="18" charset="0"/>
             </a:endParaRPr>
           </a:p>
         </p:txBody>
@@ -14658,94 +14658,6 @@
           </p:txBody>
         </p:sp>
       </p:grpSp>
-      <p:grpSp>
-        <p:nvGrpSpPr>
-          <p:cNvPr id="22" name="Group 15"/>
-          <p:cNvGrpSpPr/>
-          <p:nvPr/>
-        </p:nvGrpSpPr>
-        <p:grpSpPr>
-          <a:xfrm>
-            <a:off x="8273415" y="1776095"/>
-            <a:ext cx="1309370" cy="120015"/>
-            <a:chOff x="13194" y="7713"/>
-            <a:chExt cx="2062" cy="189"/>
-          </a:xfrm>
-        </p:grpSpPr>
-        <p:cxnSp>
-          <p:nvCxnSpPr>
-            <p:cNvPr id="24" name="Straight Connector 16"/>
-            <p:cNvCxnSpPr/>
-            <p:nvPr/>
-          </p:nvCxnSpPr>
-          <p:spPr>
-            <a:xfrm>
-              <a:off x="13464" y="7808"/>
-              <a:ext cx="1792" cy="14"/>
-            </a:xfrm>
-            <a:prstGeom prst="line">
-              <a:avLst/>
-            </a:prstGeom>
-          </p:spPr>
-          <p:style>
-            <a:lnRef idx="2">
-              <a:schemeClr val="accent1"/>
-            </a:lnRef>
-            <a:fillRef idx="0">
-              <a:srgbClr val="FFFFFF"/>
-            </a:fillRef>
-            <a:effectRef idx="0">
-              <a:srgbClr val="FFFFFF"/>
-            </a:effectRef>
-            <a:fontRef idx="minor">
-              <a:schemeClr val="tx1"/>
-            </a:fontRef>
-          </p:style>
-        </p:cxnSp>
-        <p:sp>
-          <p:nvSpPr>
-            <p:cNvPr id="25" name="Parallelogram 17"/>
-            <p:cNvSpPr/>
-            <p:nvPr/>
-          </p:nvSpPr>
-          <p:spPr>
-            <a:xfrm rot="2280000">
-              <a:off x="13194" y="7713"/>
-              <a:ext cx="237" cy="189"/>
-            </a:xfrm>
-            <a:prstGeom prst="parallelogram">
-              <a:avLst/>
-            </a:prstGeom>
-            <a:solidFill>
-              <a:schemeClr val="bg1"/>
-            </a:solidFill>
-          </p:spPr>
-          <p:style>
-            <a:lnRef idx="2">
-              <a:schemeClr val="accent1">
-                <a:lumMod val="75000"/>
-              </a:schemeClr>
-            </a:lnRef>
-            <a:fillRef idx="1">
-              <a:schemeClr val="accent1"/>
-            </a:fillRef>
-            <a:effectRef idx="0">
-              <a:srgbClr val="FFFFFF"/>
-            </a:effectRef>
-            <a:fontRef idx="minor">
-              <a:schemeClr val="lt1"/>
-            </a:fontRef>
-          </p:style>
-          <p:txBody>
-            <a:bodyPr rtlCol="0" anchor="ctr"/>
-            <a:lstStyle/>
-            <a:p>
-              <a:pPr algn="ctr"/>
-              <a:endParaRPr lang="en-US"/>
-            </a:p>
-          </p:txBody>
-        </p:sp>
-      </p:grpSp>
       <p:sp>
         <p:nvSpPr>
           <p:cNvPr id="26" name="Rectangles 21"/>
@@ -15066,6 +14978,135 @@
           </a:fontRef>
         </p:style>
       </p:cxnSp>
+      <p:cxnSp>
+        <p:nvCxnSpPr>
+          <p:cNvPr id="6" name="Straight Arrow Connector 5"/>
+          <p:cNvCxnSpPr/>
+          <p:nvPr/>
+        </p:nvCxnSpPr>
+        <p:spPr>
+          <a:xfrm flipH="1">
+            <a:off x="8268970" y="1878965"/>
+            <a:ext cx="1280160" cy="10160"/>
+          </a:xfrm>
+          <a:prstGeom prst="straightConnector1">
+            <a:avLst/>
+          </a:prstGeom>
+          <a:ln>
+            <a:tailEnd type="arrow"/>
+          </a:ln>
+        </p:spPr>
+        <p:style>
+          <a:lnRef idx="2">
+            <a:schemeClr val="accent1"/>
+          </a:lnRef>
+          <a:fillRef idx="0">
+            <a:srgbClr val="FFFFFF"/>
+          </a:fillRef>
+          <a:effectRef idx="0">
+            <a:srgbClr val="FFFFFF"/>
+          </a:effectRef>
+          <a:fontRef idx="minor">
+            <a:schemeClr val="tx1"/>
+          </a:fontRef>
+        </p:style>
+      </p:cxnSp>
+      <p:sp>
+        <p:nvSpPr>
+          <p:cNvPr id="7" name="Text Box 6"/>
+          <p:cNvSpPr txBox="1"/>
+          <p:nvPr/>
+        </p:nvSpPr>
+        <p:spPr>
+          <a:xfrm>
+            <a:off x="8264525" y="1598930"/>
+            <a:ext cx="325120" cy="275590"/>
+          </a:xfrm>
+          <a:prstGeom prst="rect">
+            <a:avLst/>
+          </a:prstGeom>
+          <a:noFill/>
+          <a:ln>
+            <a:noFill/>
+          </a:ln>
+        </p:spPr>
+        <p:txBody>
+          <a:bodyPr wrap="square" rtlCol="0">
+            <a:spAutoFit/>
+          </a:bodyPr>
+          <a:p>
+            <a:r>
+              <a:rPr lang="en-US" sz="1200"/>
+              <a:t>1</a:t>
+            </a:r>
+            <a:endParaRPr lang="en-US" sz="1200"/>
+          </a:p>
+        </p:txBody>
+      </p:sp>
+      <p:sp>
+        <p:nvSpPr>
+          <p:cNvPr id="8" name="Text Box 7"/>
+          <p:cNvSpPr txBox="1"/>
+          <p:nvPr/>
+        </p:nvSpPr>
+        <p:spPr>
+          <a:xfrm>
+            <a:off x="9271000" y="1613535"/>
+            <a:ext cx="325120" cy="275590"/>
+          </a:xfrm>
+          <a:prstGeom prst="rect">
+            <a:avLst/>
+          </a:prstGeom>
+          <a:noFill/>
+          <a:ln>
+            <a:noFill/>
+          </a:ln>
+        </p:spPr>
+        <p:txBody>
+          <a:bodyPr wrap="square" rtlCol="0">
+            <a:spAutoFit/>
+          </a:bodyPr>
+          <a:p>
+            <a:r>
+              <a:rPr lang="en-US" sz="1200"/>
+              <a:t>*</a:t>
+            </a:r>
+            <a:endParaRPr lang="en-US" sz="1200"/>
+          </a:p>
+        </p:txBody>
+      </p:sp>
+      <p:sp>
+        <p:nvSpPr>
+          <p:cNvPr id="14" name="Text Box 13"/>
+          <p:cNvSpPr txBox="1"/>
+          <p:nvPr/>
+        </p:nvSpPr>
+        <p:spPr>
+          <a:xfrm>
+            <a:off x="9148445" y="1878965"/>
+            <a:ext cx="570230" cy="287655"/>
+          </a:xfrm>
+          <a:prstGeom prst="rect">
+            <a:avLst/>
+          </a:prstGeom>
+          <a:noFill/>
+          <a:ln>
+            <a:noFill/>
+          </a:ln>
+        </p:spPr>
+        <p:txBody>
+          <a:bodyPr wrap="square" rtlCol="0">
+            <a:noAutofit/>
+          </a:bodyPr>
+          <a:p>
+            <a:r>
+              <a:rPr lang="zh-CN" altLang="en-US" sz="1200"/>
+              <a:t>位于</a:t>
+            </a:r>
+            <a:endParaRPr lang="zh-CN" altLang="en-US" sz="1200"/>
+          </a:p>
+        </p:txBody>
+      </p:sp>
     </p:spTree>
   </p:cSld>
   <p:clrMapOvr>
